--- a/Seeeduino LoRaWAN.pptx
+++ b/Seeeduino LoRaWAN.pptx
@@ -214,7 +214,7 @@
           <a:p>
             <a:fld id="{6ED7A743-4159-46FE-8F35-538EB63B14AA}" type="datetimeFigureOut">
               <a:rPr lang="es-ES" smtClean="0"/>
-              <a:t>27/04/2018</a:t>
+              <a:t>30/04/2018</a:t>
             </a:fld>
             <a:endParaRPr lang="es-ES"/>
           </a:p>
@@ -1227,7 +1227,7 @@
             <a:fld id="{B61BEF0D-F0BB-DE4B-95CE-6DB70DBA9567}" type="datetimeFigureOut">
               <a:rPr lang="en-US" dirty="0"/>
               <a:pPr/>
-              <a:t>4/27/2018</a:t>
+              <a:t>4/30/2018</a:t>
             </a:fld>
             <a:endParaRPr lang="en-US" dirty="0"/>
           </a:p>
@@ -1475,7 +1475,7 @@
             <a:fld id="{B61BEF0D-F0BB-DE4B-95CE-6DB70DBA9567}" type="datetimeFigureOut">
               <a:rPr lang="en-US" dirty="0"/>
               <a:pPr/>
-              <a:t>4/27/2018</a:t>
+              <a:t>4/30/2018</a:t>
             </a:fld>
             <a:endParaRPr lang="en-US" dirty="0"/>
           </a:p>
@@ -1786,7 +1786,7 @@
             <a:fld id="{B61BEF0D-F0BB-DE4B-95CE-6DB70DBA9567}" type="datetimeFigureOut">
               <a:rPr lang="en-US" dirty="0"/>
               <a:pPr/>
-              <a:t>4/27/2018</a:t>
+              <a:t>4/30/2018</a:t>
             </a:fld>
             <a:endParaRPr lang="en-US" dirty="0"/>
           </a:p>
@@ -2116,7 +2116,7 @@
             <a:fld id="{B61BEF0D-F0BB-DE4B-95CE-6DB70DBA9567}" type="datetimeFigureOut">
               <a:rPr lang="en-US" dirty="0"/>
               <a:pPr/>
-              <a:t>4/27/2018</a:t>
+              <a:t>4/30/2018</a:t>
             </a:fld>
             <a:endParaRPr lang="en-US" dirty="0"/>
           </a:p>
@@ -2427,7 +2427,7 @@
             <a:fld id="{B61BEF0D-F0BB-DE4B-95CE-6DB70DBA9567}" type="datetimeFigureOut">
               <a:rPr lang="en-US" dirty="0"/>
               <a:pPr/>
-              <a:t>4/27/2018</a:t>
+              <a:t>4/30/2018</a:t>
             </a:fld>
             <a:endParaRPr lang="en-US" dirty="0"/>
           </a:p>
@@ -2817,7 +2817,7 @@
             <a:fld id="{B61BEF0D-F0BB-DE4B-95CE-6DB70DBA9567}" type="datetimeFigureOut">
               <a:rPr lang="en-US" dirty="0"/>
               <a:pPr/>
-              <a:t>4/27/2018</a:t>
+              <a:t>4/30/2018</a:t>
             </a:fld>
             <a:endParaRPr lang="en-US" dirty="0"/>
           </a:p>
@@ -2983,7 +2983,7 @@
           <a:p>
             <a:fld id="{55C6B4A9-1611-4792-9094-5F34BCA07E0B}" type="datetimeFigureOut">
               <a:rPr lang="en-US" dirty="0"/>
-              <a:t>4/27/2018</a:t>
+              <a:t>4/30/2018</a:t>
             </a:fld>
             <a:endParaRPr lang="en-US" dirty="0"/>
           </a:p>
@@ -3159,7 +3159,7 @@
             <a:fld id="{B61BEF0D-F0BB-DE4B-95CE-6DB70DBA9567}" type="datetimeFigureOut">
               <a:rPr lang="en-US" dirty="0"/>
               <a:pPr/>
-              <a:t>4/27/2018</a:t>
+              <a:t>4/30/2018</a:t>
             </a:fld>
             <a:endParaRPr lang="en-US" dirty="0"/>
           </a:p>
@@ -3325,7 +3325,7 @@
           <a:p>
             <a:fld id="{42A54C80-263E-416B-A8E0-580EDEADCBDC}" type="datetimeFigureOut">
               <a:rPr lang="en-US" dirty="0"/>
-              <a:t>4/27/2018</a:t>
+              <a:t>4/30/2018</a:t>
             </a:fld>
             <a:endParaRPr lang="en-US" dirty="0"/>
           </a:p>
@@ -3568,7 +3568,7 @@
             <a:fld id="{B61BEF0D-F0BB-DE4B-95CE-6DB70DBA9567}" type="datetimeFigureOut">
               <a:rPr lang="en-US" dirty="0"/>
               <a:pPr/>
-              <a:t>4/27/2018</a:t>
+              <a:t>4/30/2018</a:t>
             </a:fld>
             <a:endParaRPr lang="en-US" dirty="0"/>
           </a:p>
@@ -3796,7 +3796,7 @@
           <a:p>
             <a:fld id="{42A54C80-263E-416B-A8E0-580EDEADCBDC}" type="datetimeFigureOut">
               <a:rPr lang="en-US" dirty="0"/>
-              <a:t>4/27/2018</a:t>
+              <a:t>4/30/2018</a:t>
             </a:fld>
             <a:endParaRPr lang="en-US" dirty="0"/>
           </a:p>
@@ -4166,7 +4166,7 @@
             <a:fld id="{B61BEF0D-F0BB-DE4B-95CE-6DB70DBA9567}" type="datetimeFigureOut">
               <a:rPr lang="en-US" dirty="0"/>
               <a:pPr/>
-              <a:t>4/27/2018</a:t>
+              <a:t>4/30/2018</a:t>
             </a:fld>
             <a:endParaRPr lang="en-US" dirty="0"/>
           </a:p>
@@ -4286,7 +4286,7 @@
             <a:fld id="{B61BEF0D-F0BB-DE4B-95CE-6DB70DBA9567}" type="datetimeFigureOut">
               <a:rPr lang="en-US" dirty="0"/>
               <a:pPr/>
-              <a:t>4/27/2018</a:t>
+              <a:t>4/30/2018</a:t>
             </a:fld>
             <a:endParaRPr lang="en-US" dirty="0"/>
           </a:p>
@@ -4378,7 +4378,7 @@
             <a:fld id="{B61BEF0D-F0BB-DE4B-95CE-6DB70DBA9567}" type="datetimeFigureOut">
               <a:rPr lang="en-US" dirty="0"/>
               <a:pPr/>
-              <a:t>4/27/2018</a:t>
+              <a:t>4/30/2018</a:t>
             </a:fld>
             <a:endParaRPr lang="en-US" dirty="0"/>
           </a:p>
@@ -4629,7 +4629,7 @@
           <a:p>
             <a:fld id="{42A54C80-263E-416B-A8E0-580EDEADCBDC}" type="datetimeFigureOut">
               <a:rPr lang="en-US" dirty="0"/>
-              <a:t>4/27/2018</a:t>
+              <a:t>4/30/2018</a:t>
             </a:fld>
             <a:endParaRPr lang="en-US" dirty="0"/>
           </a:p>
@@ -4931,7 +4931,7 @@
             <a:fld id="{B61BEF0D-F0BB-DE4B-95CE-6DB70DBA9567}" type="datetimeFigureOut">
               <a:rPr lang="en-US" dirty="0"/>
               <a:pPr/>
-              <a:t>4/27/2018</a:t>
+              <a:t>4/30/2018</a:t>
             </a:fld>
             <a:endParaRPr lang="en-US" dirty="0"/>
           </a:p>
@@ -5629,7 +5629,7 @@
             <a:fld id="{B61BEF0D-F0BB-DE4B-95CE-6DB70DBA9567}" type="datetimeFigureOut">
               <a:rPr lang="en-US" dirty="0"/>
               <a:pPr/>
-              <a:t>4/27/2018</a:t>
+              <a:t>4/30/2018</a:t>
             </a:fld>
             <a:endParaRPr lang="en-US" dirty="0"/>
           </a:p>
@@ -21369,444 +21369,6 @@
       </p:grpSpPr>
       <p:grpSp>
         <p:nvGrpSpPr>
-          <p:cNvPr id="170" name="Grupo 169">
-            <a:extLst>
-              <a:ext uri="{FF2B5EF4-FFF2-40B4-BE49-F238E27FC236}">
-                <a16:creationId xmlns:a16="http://schemas.microsoft.com/office/drawing/2014/main" id="{BDA42CF8-0BC7-48D6-B250-9D5105139190}"/>
-              </a:ext>
-            </a:extLst>
-          </p:cNvPr>
-          <p:cNvGrpSpPr/>
-          <p:nvPr/>
-        </p:nvGrpSpPr>
-        <p:grpSpPr>
-          <a:xfrm>
-            <a:off x="146363" y="1433168"/>
-            <a:ext cx="9991726" cy="3911265"/>
-            <a:chOff x="146363" y="1433168"/>
-            <a:chExt cx="9991726" cy="3911265"/>
-          </a:xfrm>
-        </p:grpSpPr>
-        <p:cxnSp>
-          <p:nvCxnSpPr>
-            <p:cNvPr id="165" name="Conector recto 164">
-              <a:extLst>
-                <a:ext uri="{FF2B5EF4-FFF2-40B4-BE49-F238E27FC236}">
-                  <a16:creationId xmlns:a16="http://schemas.microsoft.com/office/drawing/2014/main" id="{71B38AAD-B261-4403-B7DB-46B3B505F284}"/>
-                </a:ext>
-              </a:extLst>
-            </p:cNvPr>
-            <p:cNvCxnSpPr/>
-            <p:nvPr/>
-          </p:nvCxnSpPr>
-          <p:spPr>
-            <a:xfrm>
-              <a:off x="146364" y="4111435"/>
-              <a:ext cx="9991725" cy="0"/>
-            </a:xfrm>
-            <a:prstGeom prst="line">
-              <a:avLst/>
-            </a:prstGeom>
-            <a:ln w="38100" cap="flat" cmpd="sng" algn="ctr">
-              <a:solidFill>
-                <a:schemeClr val="bg1">
-                  <a:lumMod val="85000"/>
-                </a:schemeClr>
-              </a:solidFill>
-              <a:prstDash val="dash"/>
-              <a:round/>
-              <a:headEnd type="none" w="med" len="med"/>
-              <a:tailEnd type="none" w="med" len="med"/>
-            </a:ln>
-          </p:spPr>
-          <p:style>
-            <a:lnRef idx="0">
-              <a:scrgbClr r="0" g="0" b="0"/>
-            </a:lnRef>
-            <a:fillRef idx="0">
-              <a:scrgbClr r="0" g="0" b="0"/>
-            </a:fillRef>
-            <a:effectRef idx="0">
-              <a:scrgbClr r="0" g="0" b="0"/>
-            </a:effectRef>
-            <a:fontRef idx="minor">
-              <a:schemeClr val="tx1"/>
-            </a:fontRef>
-          </p:style>
-        </p:cxnSp>
-        <p:cxnSp>
-          <p:nvCxnSpPr>
-            <p:cNvPr id="166" name="Conector recto 165">
-              <a:extLst>
-                <a:ext uri="{FF2B5EF4-FFF2-40B4-BE49-F238E27FC236}">
-                  <a16:creationId xmlns:a16="http://schemas.microsoft.com/office/drawing/2014/main" id="{50690F8D-79E4-4BB1-855C-7D56AC41494F}"/>
-                </a:ext>
-              </a:extLst>
-            </p:cNvPr>
-            <p:cNvCxnSpPr/>
-            <p:nvPr/>
-          </p:nvCxnSpPr>
-          <p:spPr>
-            <a:xfrm>
-              <a:off x="146363" y="2753919"/>
-              <a:ext cx="9991725" cy="0"/>
-            </a:xfrm>
-            <a:prstGeom prst="line">
-              <a:avLst/>
-            </a:prstGeom>
-            <a:ln w="38100" cap="flat" cmpd="sng" algn="ctr">
-              <a:solidFill>
-                <a:schemeClr val="bg1">
-                  <a:lumMod val="85000"/>
-                </a:schemeClr>
-              </a:solidFill>
-              <a:prstDash val="dash"/>
-              <a:round/>
-              <a:headEnd type="none" w="med" len="med"/>
-              <a:tailEnd type="none" w="med" len="med"/>
-            </a:ln>
-          </p:spPr>
-          <p:style>
-            <a:lnRef idx="0">
-              <a:scrgbClr r="0" g="0" b="0"/>
-            </a:lnRef>
-            <a:fillRef idx="0">
-              <a:scrgbClr r="0" g="0" b="0"/>
-            </a:fillRef>
-            <a:effectRef idx="0">
-              <a:scrgbClr r="0" g="0" b="0"/>
-            </a:effectRef>
-            <a:fontRef idx="minor">
-              <a:schemeClr val="tx1"/>
-            </a:fontRef>
-          </p:style>
-        </p:cxnSp>
-        <p:sp>
-          <p:nvSpPr>
-            <p:cNvPr id="167" name="CuadroTexto 166">
-              <a:extLst>
-                <a:ext uri="{FF2B5EF4-FFF2-40B4-BE49-F238E27FC236}">
-                  <a16:creationId xmlns:a16="http://schemas.microsoft.com/office/drawing/2014/main" id="{6C344287-723F-4A6A-AC35-892864F0B3A3}"/>
-                </a:ext>
-              </a:extLst>
-            </p:cNvPr>
-            <p:cNvSpPr txBox="1"/>
-            <p:nvPr/>
-          </p:nvSpPr>
-          <p:spPr>
-            <a:xfrm rot="16200000">
-              <a:off x="9037307" y="3268857"/>
-              <a:ext cx="1439271" cy="261610"/>
-            </a:xfrm>
-            <a:prstGeom prst="rect">
-              <a:avLst/>
-            </a:prstGeom>
-            <a:noFill/>
-          </p:spPr>
-          <p:txBody>
-            <a:bodyPr wrap="square" rtlCol="0">
-              <a:spAutoFit/>
-            </a:bodyPr>
-            <a:lstStyle/>
-            <a:p>
-              <a:r>
-                <a:rPr lang="es-ES" sz="1100" dirty="0">
-                  <a:solidFill>
-                    <a:schemeClr val="tx1">
-                      <a:lumMod val="65000"/>
-                      <a:lumOff val="35000"/>
-                    </a:schemeClr>
-                  </a:solidFill>
-                </a:rPr>
-                <a:t>Establishment time</a:t>
-              </a:r>
-            </a:p>
-          </p:txBody>
-        </p:sp>
-        <p:sp>
-          <p:nvSpPr>
-            <p:cNvPr id="168" name="CuadroTexto 167">
-              <a:extLst>
-                <a:ext uri="{FF2B5EF4-FFF2-40B4-BE49-F238E27FC236}">
-                  <a16:creationId xmlns:a16="http://schemas.microsoft.com/office/drawing/2014/main" id="{73E7E6CF-F6BC-40AD-ADC4-034BF81ACD00}"/>
-                </a:ext>
-              </a:extLst>
-            </p:cNvPr>
-            <p:cNvSpPr txBox="1"/>
-            <p:nvPr/>
-          </p:nvSpPr>
-          <p:spPr>
-            <a:xfrm rot="16200000">
-              <a:off x="9037307" y="4493993"/>
-              <a:ext cx="1439271" cy="261610"/>
-            </a:xfrm>
-            <a:prstGeom prst="rect">
-              <a:avLst/>
-            </a:prstGeom>
-            <a:noFill/>
-          </p:spPr>
-          <p:txBody>
-            <a:bodyPr wrap="square" rtlCol="0">
-              <a:spAutoFit/>
-            </a:bodyPr>
-            <a:lstStyle/>
-            <a:p>
-              <a:r>
-                <a:rPr lang="es-ES" sz="1100" dirty="0" err="1">
-                  <a:solidFill>
-                    <a:schemeClr val="tx1">
-                      <a:lumMod val="65000"/>
-                      <a:lumOff val="35000"/>
-                    </a:schemeClr>
-                  </a:solidFill>
-                </a:rPr>
-                <a:t>Working</a:t>
-              </a:r>
-              <a:r>
-                <a:rPr lang="es-ES" sz="1100" dirty="0">
-                  <a:solidFill>
-                    <a:schemeClr val="tx1">
-                      <a:lumMod val="65000"/>
-                      <a:lumOff val="35000"/>
-                    </a:schemeClr>
-                  </a:solidFill>
-                </a:rPr>
-                <a:t> </a:t>
-              </a:r>
-              <a:r>
-                <a:rPr lang="es-ES" sz="1100" dirty="0" err="1">
-                  <a:solidFill>
-                    <a:schemeClr val="tx1">
-                      <a:lumMod val="65000"/>
-                      <a:lumOff val="35000"/>
-                    </a:schemeClr>
-                  </a:solidFill>
-                </a:rPr>
-                <a:t>system</a:t>
-              </a:r>
-              <a:endParaRPr lang="es-ES" sz="1100" dirty="0">
-                <a:solidFill>
-                  <a:schemeClr val="tx1">
-                    <a:lumMod val="65000"/>
-                    <a:lumOff val="35000"/>
-                  </a:schemeClr>
-                </a:solidFill>
-              </a:endParaRPr>
-            </a:p>
-          </p:txBody>
-        </p:sp>
-        <p:sp>
-          <p:nvSpPr>
-            <p:cNvPr id="169" name="CuadroTexto 168">
-              <a:extLst>
-                <a:ext uri="{FF2B5EF4-FFF2-40B4-BE49-F238E27FC236}">
-                  <a16:creationId xmlns:a16="http://schemas.microsoft.com/office/drawing/2014/main" id="{1AED1878-F5C9-420D-8EBA-44615D125ED9}"/>
-                </a:ext>
-              </a:extLst>
-            </p:cNvPr>
-            <p:cNvSpPr txBox="1"/>
-            <p:nvPr/>
-          </p:nvSpPr>
-          <p:spPr>
-            <a:xfrm rot="16200000">
-              <a:off x="9173390" y="1897649"/>
-              <a:ext cx="1190572" cy="261610"/>
-            </a:xfrm>
-            <a:prstGeom prst="rect">
-              <a:avLst/>
-            </a:prstGeom>
-            <a:noFill/>
-          </p:spPr>
-          <p:txBody>
-            <a:bodyPr wrap="square" rtlCol="0">
-              <a:spAutoFit/>
-            </a:bodyPr>
-            <a:lstStyle/>
-            <a:p>
-              <a:r>
-                <a:rPr lang="es-ES" sz="1100" dirty="0" err="1">
-                  <a:solidFill>
-                    <a:schemeClr val="tx1">
-                      <a:lumMod val="65000"/>
-                      <a:lumOff val="35000"/>
-                    </a:schemeClr>
-                  </a:solidFill>
-                </a:rPr>
-                <a:t>Idling</a:t>
-              </a:r>
-              <a:r>
-                <a:rPr lang="es-ES" sz="1100" dirty="0">
-                  <a:solidFill>
-                    <a:schemeClr val="tx1">
-                      <a:lumMod val="65000"/>
-                      <a:lumOff val="35000"/>
-                    </a:schemeClr>
-                  </a:solidFill>
-                </a:rPr>
-                <a:t> </a:t>
-              </a:r>
-              <a:r>
-                <a:rPr lang="es-ES" sz="1100" dirty="0" err="1">
-                  <a:solidFill>
-                    <a:schemeClr val="tx1">
-                      <a:lumMod val="65000"/>
-                      <a:lumOff val="35000"/>
-                    </a:schemeClr>
-                  </a:solidFill>
-                </a:rPr>
-                <a:t>system</a:t>
-              </a:r>
-              <a:endParaRPr lang="es-ES" sz="1100" dirty="0">
-                <a:solidFill>
-                  <a:schemeClr val="tx1">
-                    <a:lumMod val="65000"/>
-                    <a:lumOff val="35000"/>
-                  </a:schemeClr>
-                </a:solidFill>
-              </a:endParaRPr>
-            </a:p>
-          </p:txBody>
-        </p:sp>
-      </p:grpSp>
-      <p:grpSp>
-        <p:nvGrpSpPr>
-          <p:cNvPr id="137" name="Grupo 136">
-            <a:extLst>
-              <a:ext uri="{FF2B5EF4-FFF2-40B4-BE49-F238E27FC236}">
-                <a16:creationId xmlns:a16="http://schemas.microsoft.com/office/drawing/2014/main" id="{622B9722-FEED-457F-9320-1331276E0F32}"/>
-              </a:ext>
-            </a:extLst>
-          </p:cNvPr>
-          <p:cNvGrpSpPr/>
-          <p:nvPr/>
-        </p:nvGrpSpPr>
-        <p:grpSpPr>
-          <a:xfrm>
-            <a:off x="4048571" y="1251746"/>
-            <a:ext cx="5514529" cy="5202542"/>
-            <a:chOff x="4048571" y="1251746"/>
-            <a:chExt cx="5514529" cy="5202542"/>
-          </a:xfrm>
-        </p:grpSpPr>
-        <p:sp>
-          <p:nvSpPr>
-            <p:cNvPr id="110" name="Elipse 109">
-              <a:extLst>
-                <a:ext uri="{FF2B5EF4-FFF2-40B4-BE49-F238E27FC236}">
-                  <a16:creationId xmlns:a16="http://schemas.microsoft.com/office/drawing/2014/main" id="{46AE6435-C8D4-4CD6-AF71-92BD20FBB874}"/>
-                </a:ext>
-              </a:extLst>
-            </p:cNvPr>
-            <p:cNvSpPr/>
-            <p:nvPr/>
-          </p:nvSpPr>
-          <p:spPr>
-            <a:xfrm>
-              <a:off x="4048571" y="1558438"/>
-              <a:ext cx="5514529" cy="4895850"/>
-            </a:xfrm>
-            <a:prstGeom prst="ellipse">
-              <a:avLst/>
-            </a:prstGeom>
-            <a:noFill/>
-            <a:ln>
-              <a:solidFill>
-                <a:schemeClr val="bg2">
-                  <a:lumMod val="50000"/>
-                </a:schemeClr>
-              </a:solidFill>
-              <a:prstDash val="dash"/>
-            </a:ln>
-          </p:spPr>
-          <p:style>
-            <a:lnRef idx="2">
-              <a:schemeClr val="accent1">
-                <a:shade val="50000"/>
-              </a:schemeClr>
-            </a:lnRef>
-            <a:fillRef idx="1">
-              <a:schemeClr val="accent1"/>
-            </a:fillRef>
-            <a:effectRef idx="0">
-              <a:schemeClr val="accent1"/>
-            </a:effectRef>
-            <a:fontRef idx="minor">
-              <a:schemeClr val="lt1"/>
-            </a:fontRef>
-          </p:style>
-          <p:txBody>
-            <a:bodyPr rtlCol="0" anchor="ctr"/>
-            <a:lstStyle/>
-            <a:p>
-              <a:pPr algn="ctr"/>
-              <a:endParaRPr lang="es-ES"/>
-            </a:p>
-          </p:txBody>
-        </p:sp>
-        <p:sp>
-          <p:nvSpPr>
-            <p:cNvPr id="111" name="CuadroTexto 110">
-              <a:extLst>
-                <a:ext uri="{FF2B5EF4-FFF2-40B4-BE49-F238E27FC236}">
-                  <a16:creationId xmlns:a16="http://schemas.microsoft.com/office/drawing/2014/main" id="{9F52AB97-53D5-4A87-A33A-73F5C9594A26}"/>
-                </a:ext>
-              </a:extLst>
-            </p:cNvPr>
-            <p:cNvSpPr txBox="1"/>
-            <p:nvPr/>
-          </p:nvSpPr>
-          <p:spPr>
-            <a:xfrm>
-              <a:off x="6374466" y="1251746"/>
-              <a:ext cx="862737" cy="276999"/>
-            </a:xfrm>
-            <a:prstGeom prst="rect">
-              <a:avLst/>
-            </a:prstGeom>
-            <a:noFill/>
-          </p:spPr>
-          <p:txBody>
-            <a:bodyPr wrap="none" rtlCol="0">
-              <a:spAutoFit/>
-            </a:bodyPr>
-            <a:lstStyle/>
-            <a:p>
-              <a:r>
-                <a:rPr lang="es-ES" sz="1200" dirty="0">
-                  <a:solidFill>
-                    <a:schemeClr val="tx1">
-                      <a:lumMod val="65000"/>
-                      <a:lumOff val="35000"/>
-                    </a:schemeClr>
-                  </a:solidFill>
-                </a:rPr>
-                <a:t>Slave </a:t>
-              </a:r>
-              <a:r>
-                <a:rPr lang="es-ES" sz="1200" dirty="0" err="1">
-                  <a:solidFill>
-                    <a:schemeClr val="tx1">
-                      <a:lumMod val="65000"/>
-                      <a:lumOff val="35000"/>
-                    </a:schemeClr>
-                  </a:solidFill>
-                </a:rPr>
-                <a:t>side</a:t>
-              </a:r>
-              <a:endParaRPr lang="es-ES" sz="1200" dirty="0">
-                <a:solidFill>
-                  <a:schemeClr val="tx1">
-                    <a:lumMod val="65000"/>
-                    <a:lumOff val="35000"/>
-                  </a:schemeClr>
-                </a:solidFill>
-              </a:endParaRPr>
-            </a:p>
-          </p:txBody>
-        </p:sp>
-      </p:grpSp>
-      <p:grpSp>
-        <p:nvGrpSpPr>
           <p:cNvPr id="138" name="Grupo 137">
             <a:extLst>
               <a:ext uri="{FF2B5EF4-FFF2-40B4-BE49-F238E27FC236}">
@@ -21819,8 +21381,8 @@
         </p:nvGrpSpPr>
         <p:grpSpPr>
           <a:xfrm>
-            <a:off x="367319" y="1668836"/>
-            <a:ext cx="4543912" cy="4354590"/>
+            <a:off x="158263" y="1668836"/>
+            <a:ext cx="4443018" cy="4354590"/>
             <a:chOff x="367319" y="1668836"/>
             <a:chExt cx="4543912" cy="4354590"/>
           </a:xfrm>
@@ -22017,10 +21579,10 @@
       </p:sp>
       <p:grpSp>
         <p:nvGrpSpPr>
-          <p:cNvPr id="136" name="Grupo 135">
+          <p:cNvPr id="61" name="Grupo 60">
             <a:extLst>
               <a:ext uri="{FF2B5EF4-FFF2-40B4-BE49-F238E27FC236}">
-                <a16:creationId xmlns:a16="http://schemas.microsoft.com/office/drawing/2014/main" id="{684E4D8F-16BE-45B0-8ACD-E9A27C9AD144}"/>
+                <a16:creationId xmlns:a16="http://schemas.microsoft.com/office/drawing/2014/main" id="{6AFA52E4-44C5-4C3D-9875-3119CB0AEB22}"/>
               </a:ext>
             </a:extLst>
           </p:cNvPr>
@@ -22029,755 +21591,12 @@
         </p:nvGrpSpPr>
         <p:grpSpPr>
           <a:xfrm>
-            <a:off x="3726295" y="1679932"/>
-            <a:ext cx="1186396" cy="1057076"/>
-            <a:chOff x="3649776" y="1733389"/>
-            <a:chExt cx="1186396" cy="1057076"/>
+            <a:off x="5337299" y="2729503"/>
+            <a:ext cx="1697948" cy="699497"/>
+            <a:chOff x="5337299" y="2729503"/>
+            <a:chExt cx="1697948" cy="699497"/>
           </a:xfrm>
         </p:grpSpPr>
-        <p:sp>
-          <p:nvSpPr>
-            <p:cNvPr id="89" name="Elipse 88">
-              <a:extLst>
-                <a:ext uri="{FF2B5EF4-FFF2-40B4-BE49-F238E27FC236}">
-                  <a16:creationId xmlns:a16="http://schemas.microsoft.com/office/drawing/2014/main" id="{24323BE8-068E-408E-BBED-26391D00CE7F}"/>
-                </a:ext>
-              </a:extLst>
-            </p:cNvPr>
-            <p:cNvSpPr/>
-            <p:nvPr/>
-          </p:nvSpPr>
-          <p:spPr>
-            <a:xfrm>
-              <a:off x="3649776" y="1733389"/>
-              <a:ext cx="1186396" cy="1057076"/>
-            </a:xfrm>
-            <a:prstGeom prst="ellipse">
-              <a:avLst/>
-            </a:prstGeom>
-            <a:noFill/>
-            <a:ln w="25400"/>
-          </p:spPr>
-          <p:style>
-            <a:lnRef idx="1">
-              <a:schemeClr val="dk1"/>
-            </a:lnRef>
-            <a:fillRef idx="3">
-              <a:schemeClr val="dk1"/>
-            </a:fillRef>
-            <a:effectRef idx="2">
-              <a:schemeClr val="dk1"/>
-            </a:effectRef>
-            <a:fontRef idx="minor">
-              <a:schemeClr val="lt1"/>
-            </a:fontRef>
-          </p:style>
-          <p:txBody>
-            <a:bodyPr rtlCol="0" anchor="ctr"/>
-            <a:lstStyle/>
-            <a:p>
-              <a:pPr algn="ctr"/>
-              <a:endParaRPr lang="es-ES"/>
-            </a:p>
-          </p:txBody>
-        </p:sp>
-        <p:sp>
-          <p:nvSpPr>
-            <p:cNvPr id="20" name="CuadroTexto 19">
-              <a:extLst>
-                <a:ext uri="{FF2B5EF4-FFF2-40B4-BE49-F238E27FC236}">
-                  <a16:creationId xmlns:a16="http://schemas.microsoft.com/office/drawing/2014/main" id="{71619153-6C25-43A8-BD74-38441A3C46FF}"/>
-                </a:ext>
-              </a:extLst>
-            </p:cNvPr>
-            <p:cNvSpPr txBox="1"/>
-            <p:nvPr/>
-          </p:nvSpPr>
-          <p:spPr>
-            <a:xfrm>
-              <a:off x="3807598" y="2093191"/>
-              <a:ext cx="870751" cy="276999"/>
-            </a:xfrm>
-            <a:prstGeom prst="rect">
-              <a:avLst/>
-            </a:prstGeom>
-            <a:noFill/>
-          </p:spPr>
-          <p:txBody>
-            <a:bodyPr wrap="none" rtlCol="0">
-              <a:spAutoFit/>
-            </a:bodyPr>
-            <a:lstStyle/>
-            <a:p>
-              <a:r>
-                <a:rPr lang="es-ES" sz="1200" dirty="0" err="1"/>
-                <a:t>Sleep</a:t>
-              </a:r>
-              <a:r>
-                <a:rPr lang="es-ES" sz="1200" dirty="0"/>
-                <a:t> 10 s</a:t>
-              </a:r>
-            </a:p>
-          </p:txBody>
-        </p:sp>
-      </p:grpSp>
-      <p:sp>
-        <p:nvSpPr>
-          <p:cNvPr id="21" name="CuadroTexto 20">
-            <a:extLst>
-              <a:ext uri="{FF2B5EF4-FFF2-40B4-BE49-F238E27FC236}">
-                <a16:creationId xmlns:a16="http://schemas.microsoft.com/office/drawing/2014/main" id="{15CA4A86-27B2-40D5-BCB4-07AA20925E3B}"/>
-              </a:ext>
-            </a:extLst>
-          </p:cNvPr>
-          <p:cNvSpPr txBox="1"/>
-          <p:nvPr/>
-        </p:nvSpPr>
-        <p:spPr>
-          <a:xfrm>
-            <a:off x="3561344" y="1433169"/>
-            <a:ext cx="1580883" cy="276999"/>
-          </a:xfrm>
-          <a:prstGeom prst="rect">
-            <a:avLst/>
-          </a:prstGeom>
-          <a:noFill/>
-        </p:spPr>
-        <p:txBody>
-          <a:bodyPr wrap="square" rtlCol="0">
-            <a:spAutoFit/>
-          </a:bodyPr>
-          <a:lstStyle/>
-          <a:p>
-            <a:r>
-              <a:rPr lang="es-ES" sz="1200" dirty="0" err="1"/>
-              <a:t>Send</a:t>
-            </a:r>
-            <a:r>
-              <a:rPr lang="es-ES" sz="1200" dirty="0"/>
-              <a:t> Broadcast MSG</a:t>
-            </a:r>
-          </a:p>
-        </p:txBody>
-      </p:sp>
-      <p:grpSp>
-        <p:nvGrpSpPr>
-          <p:cNvPr id="140" name="Grupo 139">
-            <a:extLst>
-              <a:ext uri="{FF2B5EF4-FFF2-40B4-BE49-F238E27FC236}">
-                <a16:creationId xmlns:a16="http://schemas.microsoft.com/office/drawing/2014/main" id="{8E27515B-61E7-40A2-92CA-62BBC4163150}"/>
-              </a:ext>
-            </a:extLst>
-          </p:cNvPr>
-          <p:cNvGrpSpPr/>
-          <p:nvPr/>
-        </p:nvGrpSpPr>
-        <p:grpSpPr>
-          <a:xfrm>
-            <a:off x="6523667" y="2143129"/>
-            <a:ext cx="1776927" cy="1458584"/>
-            <a:chOff x="6523667" y="2143129"/>
-            <a:chExt cx="1776927" cy="1458584"/>
-          </a:xfrm>
-        </p:grpSpPr>
-        <p:sp>
-          <p:nvSpPr>
-            <p:cNvPr id="90" name="Elipse 89">
-              <a:extLst>
-                <a:ext uri="{FF2B5EF4-FFF2-40B4-BE49-F238E27FC236}">
-                  <a16:creationId xmlns:a16="http://schemas.microsoft.com/office/drawing/2014/main" id="{3B37E2EF-9F2C-4904-978A-1182DBA64D82}"/>
-                </a:ext>
-              </a:extLst>
-            </p:cNvPr>
-            <p:cNvSpPr/>
-            <p:nvPr/>
-          </p:nvSpPr>
-          <p:spPr>
-            <a:xfrm>
-              <a:off x="6726513" y="2406138"/>
-              <a:ext cx="1186396" cy="1057076"/>
-            </a:xfrm>
-            <a:prstGeom prst="ellipse">
-              <a:avLst/>
-            </a:prstGeom>
-            <a:noFill/>
-            <a:ln w="25400"/>
-          </p:spPr>
-          <p:style>
-            <a:lnRef idx="1">
-              <a:schemeClr val="dk1"/>
-            </a:lnRef>
-            <a:fillRef idx="3">
-              <a:schemeClr val="dk1"/>
-            </a:fillRef>
-            <a:effectRef idx="2">
-              <a:schemeClr val="dk1"/>
-            </a:effectRef>
-            <a:fontRef idx="minor">
-              <a:schemeClr val="lt1"/>
-            </a:fontRef>
-          </p:style>
-          <p:txBody>
-            <a:bodyPr rtlCol="0" anchor="ctr"/>
-            <a:lstStyle/>
-            <a:p>
-              <a:pPr algn="ctr"/>
-              <a:endParaRPr lang="es-ES"/>
-            </a:p>
-          </p:txBody>
-        </p:sp>
-        <p:grpSp>
-          <p:nvGrpSpPr>
-            <p:cNvPr id="139" name="Grupo 138">
-              <a:extLst>
-                <a:ext uri="{FF2B5EF4-FFF2-40B4-BE49-F238E27FC236}">
-                  <a16:creationId xmlns:a16="http://schemas.microsoft.com/office/drawing/2014/main" id="{99CBE65A-9091-4190-BC21-297C1D5DFE4B}"/>
-                </a:ext>
-              </a:extLst>
-            </p:cNvPr>
-            <p:cNvGrpSpPr/>
-            <p:nvPr/>
-          </p:nvGrpSpPr>
-          <p:grpSpPr>
-            <a:xfrm>
-              <a:off x="6523667" y="2143129"/>
-              <a:ext cx="1776927" cy="1458584"/>
-              <a:chOff x="6523667" y="2143129"/>
-              <a:chExt cx="1776927" cy="1458584"/>
-            </a:xfrm>
-          </p:grpSpPr>
-          <p:sp>
-            <p:nvSpPr>
-              <p:cNvPr id="64" name="CuadroTexto 63">
-                <a:extLst>
-                  <a:ext uri="{FF2B5EF4-FFF2-40B4-BE49-F238E27FC236}">
-                    <a16:creationId xmlns:a16="http://schemas.microsoft.com/office/drawing/2014/main" id="{2773EB54-55AA-45DB-9772-2A7A374E1E3C}"/>
-                  </a:ext>
-                </a:extLst>
-              </p:cNvPr>
-              <p:cNvSpPr txBox="1"/>
-              <p:nvPr/>
-            </p:nvSpPr>
-            <p:spPr>
-              <a:xfrm>
-                <a:off x="7015148" y="2777711"/>
-                <a:ext cx="727507" cy="276999"/>
-              </a:xfrm>
-              <a:prstGeom prst="rect">
-                <a:avLst/>
-              </a:prstGeom>
-              <a:noFill/>
-            </p:spPr>
-            <p:txBody>
-              <a:bodyPr wrap="none" rtlCol="0">
-                <a:spAutoFit/>
-              </a:bodyPr>
-              <a:lstStyle/>
-              <a:p>
-                <a:r>
-                  <a:rPr lang="es-ES" sz="1200" dirty="0" err="1"/>
-                  <a:t>Wait</a:t>
-                </a:r>
-                <a:r>
-                  <a:rPr lang="es-ES" sz="1200" dirty="0"/>
-                  <a:t> 5 s</a:t>
-                </a:r>
-              </a:p>
-            </p:txBody>
-          </p:sp>
-          <p:sp>
-            <p:nvSpPr>
-              <p:cNvPr id="67" name="CuadroTexto 66">
-                <a:extLst>
-                  <a:ext uri="{FF2B5EF4-FFF2-40B4-BE49-F238E27FC236}">
-                    <a16:creationId xmlns:a16="http://schemas.microsoft.com/office/drawing/2014/main" id="{B4832208-6CDC-4C3E-BC88-4C0080F01D99}"/>
-                  </a:ext>
-                </a:extLst>
-              </p:cNvPr>
-              <p:cNvSpPr txBox="1"/>
-              <p:nvPr/>
-            </p:nvSpPr>
-            <p:spPr>
-              <a:xfrm>
-                <a:off x="7624703" y="3324714"/>
-                <a:ext cx="675891" cy="276999"/>
-              </a:xfrm>
-              <a:prstGeom prst="rect">
-                <a:avLst/>
-              </a:prstGeom>
-              <a:noFill/>
-            </p:spPr>
-            <p:txBody>
-              <a:bodyPr wrap="none" rtlCol="0">
-                <a:spAutoFit/>
-              </a:bodyPr>
-              <a:lstStyle/>
-              <a:p>
-                <a:r>
-                  <a:rPr lang="es-ES" sz="1200" dirty="0"/>
-                  <a:t>Try 10x</a:t>
-                </a:r>
-              </a:p>
-            </p:txBody>
-          </p:sp>
-          <p:sp>
-            <p:nvSpPr>
-              <p:cNvPr id="68" name="CuadroTexto 67">
-                <a:extLst>
-                  <a:ext uri="{FF2B5EF4-FFF2-40B4-BE49-F238E27FC236}">
-                    <a16:creationId xmlns:a16="http://schemas.microsoft.com/office/drawing/2014/main" id="{08C6A22B-A2C6-4E60-A732-716F2216CA98}"/>
-                  </a:ext>
-                </a:extLst>
-              </p:cNvPr>
-              <p:cNvSpPr txBox="1"/>
-              <p:nvPr/>
-            </p:nvSpPr>
-            <p:spPr>
-              <a:xfrm>
-                <a:off x="6523667" y="2143129"/>
-                <a:ext cx="1686329" cy="276999"/>
-              </a:xfrm>
-              <a:prstGeom prst="rect">
-                <a:avLst/>
-              </a:prstGeom>
-              <a:noFill/>
-            </p:spPr>
-            <p:txBody>
-              <a:bodyPr wrap="square" rtlCol="0">
-                <a:spAutoFit/>
-              </a:bodyPr>
-              <a:lstStyle/>
-              <a:p>
-                <a:r>
-                  <a:rPr lang="es-ES" sz="1200" dirty="0" err="1"/>
-                  <a:t>Send</a:t>
-                </a:r>
-                <a:r>
-                  <a:rPr lang="es-ES" sz="1200" dirty="0"/>
-                  <a:t> </a:t>
-                </a:r>
-                <a:r>
-                  <a:rPr lang="es-ES" sz="1200" dirty="0" err="1"/>
-                  <a:t>to</a:t>
-                </a:r>
-                <a:r>
-                  <a:rPr lang="es-ES" sz="1200" dirty="0"/>
-                  <a:t> Master </a:t>
-                </a:r>
-                <a:r>
-                  <a:rPr lang="es-ES" sz="1200" dirty="0" err="1"/>
-                  <a:t>my</a:t>
-                </a:r>
-                <a:r>
-                  <a:rPr lang="es-ES" sz="1200" dirty="0"/>
-                  <a:t> ID</a:t>
-                </a:r>
-              </a:p>
-            </p:txBody>
-          </p:sp>
-        </p:grpSp>
-      </p:grpSp>
-      <p:grpSp>
-        <p:nvGrpSpPr>
-          <p:cNvPr id="134" name="Grupo 133">
-            <a:extLst>
-              <a:ext uri="{FF2B5EF4-FFF2-40B4-BE49-F238E27FC236}">
-                <a16:creationId xmlns:a16="http://schemas.microsoft.com/office/drawing/2014/main" id="{48447D6D-EBBB-4051-98BA-2B9F1BAD2955}"/>
-              </a:ext>
-            </a:extLst>
-          </p:cNvPr>
-          <p:cNvGrpSpPr/>
-          <p:nvPr/>
-        </p:nvGrpSpPr>
-        <p:grpSpPr>
-          <a:xfrm>
-            <a:off x="4590415" y="2437416"/>
-            <a:ext cx="1918793" cy="432234"/>
-            <a:chOff x="4590415" y="2437416"/>
-            <a:chExt cx="1918793" cy="432234"/>
-          </a:xfrm>
-        </p:grpSpPr>
-        <p:cxnSp>
-          <p:nvCxnSpPr>
-            <p:cNvPr id="70" name="Conector: curvado 69">
-              <a:extLst>
-                <a:ext uri="{FF2B5EF4-FFF2-40B4-BE49-F238E27FC236}">
-                  <a16:creationId xmlns:a16="http://schemas.microsoft.com/office/drawing/2014/main" id="{3C9FA41E-F2AD-47E5-AA76-3B27CDC99350}"/>
-                </a:ext>
-              </a:extLst>
-            </p:cNvPr>
-            <p:cNvCxnSpPr>
-              <a:cxnSpLocks/>
-              <a:stCxn id="63" idx="6"/>
-              <a:endCxn id="29" idx="1"/>
-            </p:cNvCxnSpPr>
-            <p:nvPr/>
-          </p:nvCxnSpPr>
-          <p:spPr>
-            <a:xfrm>
-              <a:off x="4590415" y="2697996"/>
-              <a:ext cx="1918793" cy="171654"/>
-            </a:xfrm>
-            <a:prstGeom prst="curvedConnector2">
-              <a:avLst/>
-            </a:prstGeom>
-            <a:ln>
-              <a:tailEnd type="triangle"/>
-            </a:ln>
-          </p:spPr>
-          <p:style>
-            <a:lnRef idx="3">
-              <a:schemeClr val="dk1"/>
-            </a:lnRef>
-            <a:fillRef idx="0">
-              <a:schemeClr val="dk1"/>
-            </a:fillRef>
-            <a:effectRef idx="2">
-              <a:schemeClr val="dk1"/>
-            </a:effectRef>
-            <a:fontRef idx="minor">
-              <a:schemeClr val="tx1"/>
-            </a:fontRef>
-          </p:style>
-        </p:cxnSp>
-        <p:sp>
-          <p:nvSpPr>
-            <p:cNvPr id="77" name="CuadroTexto 76">
-              <a:extLst>
-                <a:ext uri="{FF2B5EF4-FFF2-40B4-BE49-F238E27FC236}">
-                  <a16:creationId xmlns:a16="http://schemas.microsoft.com/office/drawing/2014/main" id="{408F2185-F52A-4EA7-B2C4-6B0048EB2105}"/>
-                </a:ext>
-              </a:extLst>
-            </p:cNvPr>
-            <p:cNvSpPr txBox="1"/>
-            <p:nvPr/>
-          </p:nvSpPr>
-          <p:spPr>
-            <a:xfrm>
-              <a:off x="4798388" y="2437416"/>
-              <a:ext cx="1686329" cy="276999"/>
-            </a:xfrm>
-            <a:prstGeom prst="rect">
-              <a:avLst/>
-            </a:prstGeom>
-            <a:noFill/>
-          </p:spPr>
-          <p:txBody>
-            <a:bodyPr wrap="square" rtlCol="0">
-              <a:spAutoFit/>
-            </a:bodyPr>
-            <a:lstStyle/>
-            <a:p>
-              <a:r>
-                <a:rPr lang="es-ES" sz="1200" dirty="0" err="1"/>
-                <a:t>Rec</a:t>
-              </a:r>
-              <a:r>
-                <a:rPr lang="es-ES" sz="1200" dirty="0"/>
-                <a:t>: Master </a:t>
-              </a:r>
-              <a:r>
-                <a:rPr lang="es-ES" sz="1200" dirty="0" err="1"/>
-                <a:t>is</a:t>
-              </a:r>
-              <a:r>
-                <a:rPr lang="es-ES" sz="1200" dirty="0"/>
-                <a:t> </a:t>
-              </a:r>
-              <a:r>
-                <a:rPr lang="es-ES" sz="1200" dirty="0" err="1"/>
-                <a:t>Asking</a:t>
-              </a:r>
-              <a:endParaRPr lang="es-ES" sz="1200" dirty="0"/>
-            </a:p>
-          </p:txBody>
-        </p:sp>
-      </p:grpSp>
-      <p:grpSp>
-        <p:nvGrpSpPr>
-          <p:cNvPr id="135" name="Grupo 134">
-            <a:extLst>
-              <a:ext uri="{FF2B5EF4-FFF2-40B4-BE49-F238E27FC236}">
-                <a16:creationId xmlns:a16="http://schemas.microsoft.com/office/drawing/2014/main" id="{4C76F5B3-28DA-4E95-A2BC-39B2717F9212}"/>
-              </a:ext>
-            </a:extLst>
-          </p:cNvPr>
-          <p:cNvGrpSpPr/>
-          <p:nvPr/>
-        </p:nvGrpSpPr>
-        <p:grpSpPr>
-          <a:xfrm>
-            <a:off x="4503609" y="2889167"/>
-            <a:ext cx="2252478" cy="608385"/>
-            <a:chOff x="4503609" y="2889167"/>
-            <a:chExt cx="2252478" cy="608385"/>
-          </a:xfrm>
-        </p:grpSpPr>
-        <p:cxnSp>
-          <p:nvCxnSpPr>
-            <p:cNvPr id="78" name="Conector: curvado 77">
-              <a:extLst>
-                <a:ext uri="{FF2B5EF4-FFF2-40B4-BE49-F238E27FC236}">
-                  <a16:creationId xmlns:a16="http://schemas.microsoft.com/office/drawing/2014/main" id="{43094A15-98CC-4F17-9C47-1C53A53B66E7}"/>
-                </a:ext>
-              </a:extLst>
-            </p:cNvPr>
-            <p:cNvCxnSpPr>
-              <a:cxnSpLocks/>
-              <a:stCxn id="29" idx="3"/>
-              <a:endCxn id="63" idx="5"/>
-            </p:cNvCxnSpPr>
-            <p:nvPr/>
-          </p:nvCxnSpPr>
-          <p:spPr>
-            <a:xfrm rot="5400000" flipH="1">
-              <a:off x="5324997" y="2067779"/>
-              <a:ext cx="362824" cy="2005599"/>
-            </a:xfrm>
-            <a:prstGeom prst="curvedConnector3">
-              <a:avLst>
-                <a:gd name="adj1" fmla="val -84830"/>
-              </a:avLst>
-            </a:prstGeom>
-            <a:ln>
-              <a:tailEnd type="triangle"/>
-            </a:ln>
-          </p:spPr>
-          <p:style>
-            <a:lnRef idx="3">
-              <a:schemeClr val="dk1"/>
-            </a:lnRef>
-            <a:fillRef idx="0">
-              <a:schemeClr val="dk1"/>
-            </a:fillRef>
-            <a:effectRef idx="2">
-              <a:schemeClr val="dk1"/>
-            </a:effectRef>
-            <a:fontRef idx="minor">
-              <a:schemeClr val="tx1"/>
-            </a:fontRef>
-          </p:style>
-        </p:cxnSp>
-        <p:sp>
-          <p:nvSpPr>
-            <p:cNvPr id="87" name="CuadroTexto 86">
-              <a:extLst>
-                <a:ext uri="{FF2B5EF4-FFF2-40B4-BE49-F238E27FC236}">
-                  <a16:creationId xmlns:a16="http://schemas.microsoft.com/office/drawing/2014/main" id="{FC5AFC83-3F52-4690-B91D-1C89818A27A4}"/>
-                </a:ext>
-              </a:extLst>
-            </p:cNvPr>
-            <p:cNvSpPr txBox="1"/>
-            <p:nvPr/>
-          </p:nvSpPr>
-          <p:spPr>
-            <a:xfrm>
-              <a:off x="5069758" y="3220553"/>
-              <a:ext cx="1686329" cy="276999"/>
-            </a:xfrm>
-            <a:prstGeom prst="rect">
-              <a:avLst/>
-            </a:prstGeom>
-            <a:noFill/>
-          </p:spPr>
-          <p:txBody>
-            <a:bodyPr wrap="square" rtlCol="0">
-              <a:spAutoFit/>
-            </a:bodyPr>
-            <a:lstStyle/>
-            <a:p>
-              <a:r>
-                <a:rPr lang="es-ES" sz="1200" dirty="0"/>
-                <a:t>No response</a:t>
-              </a:r>
-            </a:p>
-          </p:txBody>
-        </p:sp>
-      </p:grpSp>
-      <p:grpSp>
-        <p:nvGrpSpPr>
-          <p:cNvPr id="142" name="Grupo 141">
-            <a:extLst>
-              <a:ext uri="{FF2B5EF4-FFF2-40B4-BE49-F238E27FC236}">
-                <a16:creationId xmlns:a16="http://schemas.microsoft.com/office/drawing/2014/main" id="{71DF4339-91BC-4353-9B53-1E06BFC9C8D2}"/>
-              </a:ext>
-            </a:extLst>
-          </p:cNvPr>
-          <p:cNvGrpSpPr/>
-          <p:nvPr/>
-        </p:nvGrpSpPr>
-        <p:grpSpPr>
-          <a:xfrm>
-            <a:off x="6718776" y="3331175"/>
-            <a:ext cx="1583553" cy="1023269"/>
-            <a:chOff x="6718776" y="3331175"/>
-            <a:chExt cx="1583553" cy="1023269"/>
-          </a:xfrm>
-        </p:grpSpPr>
-        <p:cxnSp>
-          <p:nvCxnSpPr>
-            <p:cNvPr id="91" name="Conector: curvado 90">
-              <a:extLst>
-                <a:ext uri="{FF2B5EF4-FFF2-40B4-BE49-F238E27FC236}">
-                  <a16:creationId xmlns:a16="http://schemas.microsoft.com/office/drawing/2014/main" id="{4E2A1F86-72B4-4199-B7E8-D0BB84BCF084}"/>
-                </a:ext>
-              </a:extLst>
-            </p:cNvPr>
-            <p:cNvCxnSpPr>
-              <a:cxnSpLocks/>
-              <a:stCxn id="29" idx="4"/>
-              <a:endCxn id="31" idx="0"/>
-            </p:cNvCxnSpPr>
-            <p:nvPr/>
-          </p:nvCxnSpPr>
-          <p:spPr>
-            <a:xfrm rot="5400000">
-              <a:off x="6207142" y="3842809"/>
-              <a:ext cx="1023269" cy="1"/>
-            </a:xfrm>
-            <a:prstGeom prst="curvedConnector3">
-              <a:avLst>
-                <a:gd name="adj1" fmla="val 50000"/>
-              </a:avLst>
-            </a:prstGeom>
-            <a:ln>
-              <a:tailEnd type="triangle"/>
-            </a:ln>
-          </p:spPr>
-          <p:style>
-            <a:lnRef idx="3">
-              <a:schemeClr val="dk1"/>
-            </a:lnRef>
-            <a:fillRef idx="0">
-              <a:schemeClr val="dk1"/>
-            </a:fillRef>
-            <a:effectRef idx="2">
-              <a:schemeClr val="dk1"/>
-            </a:effectRef>
-            <a:fontRef idx="minor">
-              <a:schemeClr val="tx1"/>
-            </a:fontRef>
-          </p:style>
-        </p:cxnSp>
-        <p:sp>
-          <p:nvSpPr>
-            <p:cNvPr id="95" name="CuadroTexto 94">
-              <a:extLst>
-                <a:ext uri="{FF2B5EF4-FFF2-40B4-BE49-F238E27FC236}">
-                  <a16:creationId xmlns:a16="http://schemas.microsoft.com/office/drawing/2014/main" id="{3050EA87-3303-4EC9-ABE0-1F11B41944BB}"/>
-                </a:ext>
-              </a:extLst>
-            </p:cNvPr>
-            <p:cNvSpPr txBox="1"/>
-            <p:nvPr/>
-          </p:nvSpPr>
-          <p:spPr>
-            <a:xfrm>
-              <a:off x="6726513" y="3757538"/>
-              <a:ext cx="1575816" cy="276999"/>
-            </a:xfrm>
-            <a:prstGeom prst="rect">
-              <a:avLst/>
-            </a:prstGeom>
-            <a:noFill/>
-          </p:spPr>
-          <p:txBody>
-            <a:bodyPr wrap="none" rtlCol="0">
-              <a:spAutoFit/>
-            </a:bodyPr>
-            <a:lstStyle/>
-            <a:p>
-              <a:r>
-                <a:rPr lang="es-ES" sz="1200" dirty="0" err="1"/>
-                <a:t>Rec</a:t>
-              </a:r>
-              <a:r>
-                <a:rPr lang="es-ES" sz="1200" dirty="0"/>
-                <a:t>: ACK </a:t>
-              </a:r>
-              <a:r>
-                <a:rPr lang="es-ES" sz="1200" dirty="0" err="1"/>
-                <a:t>with</a:t>
-              </a:r>
-              <a:r>
-                <a:rPr lang="es-ES" sz="1200" dirty="0"/>
-                <a:t> </a:t>
-              </a:r>
-              <a:r>
-                <a:rPr lang="es-ES" sz="1200" dirty="0" err="1"/>
-                <a:t>my</a:t>
-              </a:r>
-              <a:r>
-                <a:rPr lang="es-ES" sz="1200" dirty="0"/>
-                <a:t> ID</a:t>
-              </a:r>
-            </a:p>
-          </p:txBody>
-        </p:sp>
-      </p:grpSp>
-      <p:grpSp>
-        <p:nvGrpSpPr>
-          <p:cNvPr id="143" name="Grupo 142">
-            <a:extLst>
-              <a:ext uri="{FF2B5EF4-FFF2-40B4-BE49-F238E27FC236}">
-                <a16:creationId xmlns:a16="http://schemas.microsoft.com/office/drawing/2014/main" id="{470C2B5F-2442-44AD-8563-7738FE71B8DE}"/>
-              </a:ext>
-            </a:extLst>
-          </p:cNvPr>
-          <p:cNvGrpSpPr/>
-          <p:nvPr/>
-        </p:nvGrpSpPr>
-        <p:grpSpPr>
-          <a:xfrm>
-            <a:off x="4294043" y="2968351"/>
-            <a:ext cx="2128359" cy="1656448"/>
-            <a:chOff x="4294043" y="2968351"/>
-            <a:chExt cx="2128359" cy="1656448"/>
-          </a:xfrm>
-        </p:grpSpPr>
-        <p:cxnSp>
-          <p:nvCxnSpPr>
-            <p:cNvPr id="103" name="Conector: curvado 102">
-              <a:extLst>
-                <a:ext uri="{FF2B5EF4-FFF2-40B4-BE49-F238E27FC236}">
-                  <a16:creationId xmlns:a16="http://schemas.microsoft.com/office/drawing/2014/main" id="{A223996C-6ACA-4037-A098-CBD8EAB9B80B}"/>
-                </a:ext>
-              </a:extLst>
-            </p:cNvPr>
-            <p:cNvCxnSpPr>
-              <a:cxnSpLocks/>
-              <a:stCxn id="31" idx="2"/>
-              <a:endCxn id="63" idx="4"/>
-            </p:cNvCxnSpPr>
-            <p:nvPr/>
-          </p:nvCxnSpPr>
-          <p:spPr>
-            <a:xfrm rot="10800000">
-              <a:off x="4294043" y="2968351"/>
-              <a:ext cx="2128359" cy="1656448"/>
-            </a:xfrm>
-            <a:prstGeom prst="curvedConnector2">
-              <a:avLst/>
-            </a:prstGeom>
-            <a:ln>
-              <a:tailEnd type="triangle"/>
-            </a:ln>
-          </p:spPr>
-          <p:style>
-            <a:lnRef idx="3">
-              <a:schemeClr val="dk1"/>
-            </a:lnRef>
-            <a:fillRef idx="0">
-              <a:schemeClr val="dk1"/>
-            </a:fillRef>
-            <a:effectRef idx="2">
-              <a:schemeClr val="dk1"/>
-            </a:effectRef>
-            <a:fontRef idx="minor">
-              <a:schemeClr val="tx1"/>
-            </a:fontRef>
-          </p:style>
-        </p:cxnSp>
         <p:sp>
           <p:nvSpPr>
             <p:cNvPr id="108" name="CuadroTexto 107">
@@ -22791,9 +21610,9 @@
             <p:nvPr/>
           </p:nvSpPr>
           <p:spPr>
-            <a:xfrm rot="1380347">
-              <a:off x="5009338" y="4142713"/>
-              <a:ext cx="1277454" cy="276999"/>
+            <a:xfrm>
+              <a:off x="5337299" y="2729503"/>
+              <a:ext cx="1223563" cy="278164"/>
             </a:xfrm>
             <a:prstGeom prst="rect">
               <a:avLst/>
@@ -22806,474 +21625,6 @@
             </a:bodyPr>
             <a:lstStyle/>
             <a:p>
-              <a:r>
-                <a:rPr lang="es-ES" sz="1200" dirty="0"/>
-                <a:t>Time </a:t>
-              </a:r>
-              <a:r>
-                <a:rPr lang="es-ES" sz="1200" dirty="0" err="1"/>
-                <a:t>Out</a:t>
-              </a:r>
-              <a:r>
-                <a:rPr lang="es-ES" sz="1200" dirty="0"/>
-                <a:t> 1 min</a:t>
-              </a:r>
-            </a:p>
-          </p:txBody>
-        </p:sp>
-      </p:grpSp>
-      <p:grpSp>
-        <p:nvGrpSpPr>
-          <p:cNvPr id="141" name="Grupo 140">
-            <a:extLst>
-              <a:ext uri="{FF2B5EF4-FFF2-40B4-BE49-F238E27FC236}">
-                <a16:creationId xmlns:a16="http://schemas.microsoft.com/office/drawing/2014/main" id="{21A11F46-A509-42C2-AA6C-0A2C8FD653DB}"/>
-              </a:ext>
-            </a:extLst>
-          </p:cNvPr>
-          <p:cNvGrpSpPr/>
-          <p:nvPr/>
-        </p:nvGrpSpPr>
-        <p:grpSpPr>
-          <a:xfrm>
-            <a:off x="6303542" y="4499611"/>
-            <a:ext cx="1957780" cy="1578807"/>
-            <a:chOff x="6303542" y="4499611"/>
-            <a:chExt cx="1957780" cy="1578807"/>
-          </a:xfrm>
-        </p:grpSpPr>
-        <p:sp>
-          <p:nvSpPr>
-            <p:cNvPr id="101" name="Elipse 100">
-              <a:extLst>
-                <a:ext uri="{FF2B5EF4-FFF2-40B4-BE49-F238E27FC236}">
-                  <a16:creationId xmlns:a16="http://schemas.microsoft.com/office/drawing/2014/main" id="{A441F7F1-35EE-4948-B304-2C89A040C634}"/>
-                </a:ext>
-              </a:extLst>
-            </p:cNvPr>
-            <p:cNvSpPr/>
-            <p:nvPr/>
-          </p:nvSpPr>
-          <p:spPr>
-            <a:xfrm>
-              <a:off x="6438307" y="4499611"/>
-              <a:ext cx="1186396" cy="1057076"/>
-            </a:xfrm>
-            <a:prstGeom prst="ellipse">
-              <a:avLst/>
-            </a:prstGeom>
-            <a:noFill/>
-            <a:ln w="25400"/>
-          </p:spPr>
-          <p:style>
-            <a:lnRef idx="1">
-              <a:schemeClr val="dk1"/>
-            </a:lnRef>
-            <a:fillRef idx="3">
-              <a:schemeClr val="dk1"/>
-            </a:fillRef>
-            <a:effectRef idx="2">
-              <a:schemeClr val="dk1"/>
-            </a:effectRef>
-            <a:fontRef idx="minor">
-              <a:schemeClr val="lt1"/>
-            </a:fontRef>
-          </p:style>
-          <p:txBody>
-            <a:bodyPr rtlCol="0" anchor="ctr"/>
-            <a:lstStyle/>
-            <a:p>
-              <a:pPr algn="ctr"/>
-              <a:endParaRPr lang="es-ES"/>
-            </a:p>
-          </p:txBody>
-        </p:sp>
-        <p:sp>
-          <p:nvSpPr>
-            <p:cNvPr id="102" name="CuadroTexto 101">
-              <a:extLst>
-                <a:ext uri="{FF2B5EF4-FFF2-40B4-BE49-F238E27FC236}">
-                  <a16:creationId xmlns:a16="http://schemas.microsoft.com/office/drawing/2014/main" id="{452C51EA-656D-4F12-B02A-19590722A104}"/>
-                </a:ext>
-              </a:extLst>
-            </p:cNvPr>
-            <p:cNvSpPr txBox="1"/>
-            <p:nvPr/>
-          </p:nvSpPr>
-          <p:spPr>
-            <a:xfrm>
-              <a:off x="6303542" y="5616753"/>
-              <a:ext cx="1957780" cy="461665"/>
-            </a:xfrm>
-            <a:prstGeom prst="rect">
-              <a:avLst/>
-            </a:prstGeom>
-            <a:noFill/>
-          </p:spPr>
-          <p:txBody>
-            <a:bodyPr wrap="none" rtlCol="0">
-              <a:spAutoFit/>
-            </a:bodyPr>
-            <a:lstStyle/>
-            <a:p>
-              <a:r>
-                <a:rPr lang="es-ES" sz="1200" dirty="0" err="1"/>
-                <a:t>Rec</a:t>
-              </a:r>
-              <a:r>
-                <a:rPr lang="es-ES" sz="1200" dirty="0"/>
-                <a:t>: Master </a:t>
-              </a:r>
-              <a:r>
-                <a:rPr lang="es-ES" sz="1200" dirty="0" err="1"/>
-                <a:t>wants</a:t>
-              </a:r>
-              <a:r>
-                <a:rPr lang="es-ES" sz="1200" dirty="0"/>
-                <a:t> a </a:t>
-              </a:r>
-              <a:r>
-                <a:rPr lang="es-ES" sz="1200" dirty="0" err="1"/>
-                <a:t>value</a:t>
-              </a:r>
-              <a:endParaRPr lang="es-ES" sz="1200" dirty="0"/>
-            </a:p>
-            <a:p>
-              <a:r>
-                <a:rPr lang="es-ES" sz="1200" dirty="0" err="1"/>
-                <a:t>Send</a:t>
-              </a:r>
-              <a:r>
-                <a:rPr lang="es-ES" sz="1200" dirty="0"/>
-                <a:t> </a:t>
-              </a:r>
-              <a:r>
-                <a:rPr lang="es-ES" sz="1200" dirty="0" err="1"/>
-                <a:t>to</a:t>
-              </a:r>
-              <a:r>
-                <a:rPr lang="es-ES" sz="1200" dirty="0"/>
-                <a:t> Master </a:t>
-              </a:r>
-              <a:r>
-                <a:rPr lang="es-ES" sz="1200" dirty="0" err="1"/>
-                <a:t>the</a:t>
-              </a:r>
-              <a:r>
-                <a:rPr lang="es-ES" sz="1200" dirty="0"/>
-                <a:t> </a:t>
-              </a:r>
-              <a:r>
-                <a:rPr lang="es-ES" sz="1200" dirty="0" err="1"/>
-                <a:t>value</a:t>
-              </a:r>
-              <a:endParaRPr lang="es-ES" sz="1200" dirty="0"/>
-            </a:p>
-          </p:txBody>
-        </p:sp>
-        <p:sp>
-          <p:nvSpPr>
-            <p:cNvPr id="109" name="CuadroTexto 108">
-              <a:extLst>
-                <a:ext uri="{FF2B5EF4-FFF2-40B4-BE49-F238E27FC236}">
-                  <a16:creationId xmlns:a16="http://schemas.microsoft.com/office/drawing/2014/main" id="{A43AC25E-8676-4361-9FB3-5C58D6FE1672}"/>
-                </a:ext>
-              </a:extLst>
-            </p:cNvPr>
-            <p:cNvSpPr txBox="1"/>
-            <p:nvPr/>
-          </p:nvSpPr>
-          <p:spPr>
-            <a:xfrm>
-              <a:off x="6571571" y="4913391"/>
-              <a:ext cx="919867" cy="276999"/>
-            </a:xfrm>
-            <a:prstGeom prst="rect">
-              <a:avLst/>
-            </a:prstGeom>
-            <a:noFill/>
-          </p:spPr>
-          <p:txBody>
-            <a:bodyPr wrap="none" rtlCol="0">
-              <a:spAutoFit/>
-            </a:bodyPr>
-            <a:lstStyle/>
-            <a:p>
-              <a:r>
-                <a:rPr lang="es-ES" sz="1200" dirty="0" err="1"/>
-                <a:t>Wait</a:t>
-              </a:r>
-              <a:r>
-                <a:rPr lang="es-ES" sz="1200" dirty="0"/>
-                <a:t> 1 min</a:t>
-              </a:r>
-            </a:p>
-          </p:txBody>
-        </p:sp>
-      </p:grpSp>
-      <p:grpSp>
-        <p:nvGrpSpPr>
-          <p:cNvPr id="147" name="Grupo 146">
-            <a:extLst>
-              <a:ext uri="{FF2B5EF4-FFF2-40B4-BE49-F238E27FC236}">
-                <a16:creationId xmlns:a16="http://schemas.microsoft.com/office/drawing/2014/main" id="{85F88E48-3940-46C8-851E-3435F8E5BCB8}"/>
-              </a:ext>
-            </a:extLst>
-          </p:cNvPr>
-          <p:cNvGrpSpPr/>
-          <p:nvPr/>
-        </p:nvGrpSpPr>
-        <p:grpSpPr>
-          <a:xfrm>
-            <a:off x="1992930" y="2542740"/>
-            <a:ext cx="2004738" cy="629222"/>
-            <a:chOff x="1992930" y="2542740"/>
-            <a:chExt cx="2004738" cy="629222"/>
-          </a:xfrm>
-        </p:grpSpPr>
-        <p:cxnSp>
-          <p:nvCxnSpPr>
-            <p:cNvPr id="112" name="Conector: curvado 111">
-              <a:extLst>
-                <a:ext uri="{FF2B5EF4-FFF2-40B4-BE49-F238E27FC236}">
-                  <a16:creationId xmlns:a16="http://schemas.microsoft.com/office/drawing/2014/main" id="{CFCCD43A-5DC4-4692-AC80-0A014B986AC1}"/>
-                </a:ext>
-              </a:extLst>
-            </p:cNvPr>
-            <p:cNvCxnSpPr>
-              <a:cxnSpLocks/>
-              <a:stCxn id="63" idx="2"/>
-              <a:endCxn id="34" idx="7"/>
-            </p:cNvCxnSpPr>
-            <p:nvPr/>
-          </p:nvCxnSpPr>
-          <p:spPr>
-            <a:xfrm rot="10800000" flipV="1">
-              <a:off x="2217334" y="2697995"/>
-              <a:ext cx="1780334" cy="473967"/>
-            </a:xfrm>
-            <a:prstGeom prst="curvedConnector2">
-              <a:avLst/>
-            </a:prstGeom>
-            <a:ln>
-              <a:tailEnd type="triangle"/>
-            </a:ln>
-          </p:spPr>
-          <p:style>
-            <a:lnRef idx="3">
-              <a:schemeClr val="dk1"/>
-            </a:lnRef>
-            <a:fillRef idx="0">
-              <a:schemeClr val="dk1"/>
-            </a:fillRef>
-            <a:effectRef idx="2">
-              <a:schemeClr val="dk1"/>
-            </a:effectRef>
-            <a:fontRef idx="minor">
-              <a:schemeClr val="tx1"/>
-            </a:fontRef>
-          </p:style>
-        </p:cxnSp>
-        <p:sp>
-          <p:nvSpPr>
-            <p:cNvPr id="115" name="CuadroTexto 114">
-              <a:extLst>
-                <a:ext uri="{FF2B5EF4-FFF2-40B4-BE49-F238E27FC236}">
-                  <a16:creationId xmlns:a16="http://schemas.microsoft.com/office/drawing/2014/main" id="{79FCE28B-1691-4366-AA39-B139CBE76DB9}"/>
-                </a:ext>
-              </a:extLst>
-            </p:cNvPr>
-            <p:cNvSpPr txBox="1"/>
-            <p:nvPr/>
-          </p:nvSpPr>
-          <p:spPr>
-            <a:xfrm rot="20734370">
-              <a:off x="1992930" y="2542740"/>
-              <a:ext cx="1850921" cy="276999"/>
-            </a:xfrm>
-            <a:prstGeom prst="rect">
-              <a:avLst/>
-            </a:prstGeom>
-            <a:noFill/>
-          </p:spPr>
-          <p:txBody>
-            <a:bodyPr wrap="square" rtlCol="0">
-              <a:spAutoFit/>
-            </a:bodyPr>
-            <a:lstStyle/>
-            <a:p>
-              <a:r>
-                <a:rPr lang="es-ES" sz="1200" dirty="0" err="1"/>
-                <a:t>Rec</a:t>
-              </a:r>
-              <a:r>
-                <a:rPr lang="es-ES" sz="1200" dirty="0"/>
-                <a:t>: Slave </a:t>
-              </a:r>
-              <a:r>
-                <a:rPr lang="es-ES" sz="1200" dirty="0" err="1"/>
-                <a:t>is</a:t>
-              </a:r>
-              <a:r>
-                <a:rPr lang="es-ES" sz="1200" dirty="0"/>
-                <a:t> </a:t>
-              </a:r>
-              <a:r>
-                <a:rPr lang="es-ES" sz="1200" dirty="0" err="1"/>
-                <a:t>answering</a:t>
-              </a:r>
-              <a:endParaRPr lang="es-ES" sz="1200" dirty="0"/>
-            </a:p>
-          </p:txBody>
-        </p:sp>
-      </p:grpSp>
-      <p:grpSp>
-        <p:nvGrpSpPr>
-          <p:cNvPr id="146" name="Grupo 145">
-            <a:extLst>
-              <a:ext uri="{FF2B5EF4-FFF2-40B4-BE49-F238E27FC236}">
-                <a16:creationId xmlns:a16="http://schemas.microsoft.com/office/drawing/2014/main" id="{066E8E96-5FB3-49A7-8EA0-CF00C1183F6A}"/>
-              </a:ext>
-            </a:extLst>
-          </p:cNvPr>
-          <p:cNvGrpSpPr/>
-          <p:nvPr/>
-        </p:nvGrpSpPr>
-        <p:grpSpPr>
-          <a:xfrm>
-            <a:off x="490683" y="2349334"/>
-            <a:ext cx="1726651" cy="1599332"/>
-            <a:chOff x="490683" y="2349334"/>
-            <a:chExt cx="1726651" cy="1599332"/>
-          </a:xfrm>
-        </p:grpSpPr>
-        <p:sp>
-          <p:nvSpPr>
-            <p:cNvPr id="116" name="Elipse 115">
-              <a:extLst>
-                <a:ext uri="{FF2B5EF4-FFF2-40B4-BE49-F238E27FC236}">
-                  <a16:creationId xmlns:a16="http://schemas.microsoft.com/office/drawing/2014/main" id="{FEF1B261-D202-49E8-8D2E-A98C2970C65C}"/>
-                </a:ext>
-              </a:extLst>
-            </p:cNvPr>
-            <p:cNvSpPr/>
-            <p:nvPr/>
-          </p:nvSpPr>
-          <p:spPr>
-            <a:xfrm>
-              <a:off x="675865" y="2628389"/>
-              <a:ext cx="1277572" cy="1138314"/>
-            </a:xfrm>
-            <a:prstGeom prst="ellipse">
-              <a:avLst/>
-            </a:prstGeom>
-            <a:noFill/>
-            <a:ln w="25400"/>
-          </p:spPr>
-          <p:style>
-            <a:lnRef idx="1">
-              <a:schemeClr val="dk1"/>
-            </a:lnRef>
-            <a:fillRef idx="3">
-              <a:schemeClr val="dk1"/>
-            </a:fillRef>
-            <a:effectRef idx="2">
-              <a:schemeClr val="dk1"/>
-            </a:effectRef>
-            <a:fontRef idx="minor">
-              <a:schemeClr val="lt1"/>
-            </a:fontRef>
-          </p:style>
-          <p:txBody>
-            <a:bodyPr rtlCol="0" anchor="ctr"/>
-            <a:lstStyle/>
-            <a:p>
-              <a:pPr algn="ctr"/>
-              <a:endParaRPr lang="es-ES"/>
-            </a:p>
-          </p:txBody>
-        </p:sp>
-        <p:sp>
-          <p:nvSpPr>
-            <p:cNvPr id="117" name="CuadroTexto 116">
-              <a:extLst>
-                <a:ext uri="{FF2B5EF4-FFF2-40B4-BE49-F238E27FC236}">
-                  <a16:creationId xmlns:a16="http://schemas.microsoft.com/office/drawing/2014/main" id="{DB89260F-4E29-4FAF-9599-2CE9C9D907BD}"/>
-                </a:ext>
-              </a:extLst>
-            </p:cNvPr>
-            <p:cNvSpPr txBox="1"/>
-            <p:nvPr/>
-          </p:nvSpPr>
-          <p:spPr>
-            <a:xfrm>
-              <a:off x="636451" y="2349334"/>
-              <a:ext cx="1580883" cy="276999"/>
-            </a:xfrm>
-            <a:prstGeom prst="rect">
-              <a:avLst/>
-            </a:prstGeom>
-            <a:noFill/>
-          </p:spPr>
-          <p:txBody>
-            <a:bodyPr wrap="square" rtlCol="0">
-              <a:spAutoFit/>
-            </a:bodyPr>
-            <a:lstStyle/>
-            <a:p>
-              <a:r>
-                <a:rPr lang="es-ES" sz="1200" dirty="0" err="1"/>
-                <a:t>Save</a:t>
-              </a:r>
-              <a:r>
-                <a:rPr lang="es-ES" sz="1200" dirty="0"/>
-                <a:t> </a:t>
-              </a:r>
-              <a:r>
-                <a:rPr lang="es-ES" sz="1200" dirty="0" err="1"/>
-                <a:t>every</a:t>
-              </a:r>
-              <a:r>
-                <a:rPr lang="es-ES" sz="1200" dirty="0"/>
-                <a:t> </a:t>
-              </a:r>
-              <a:r>
-                <a:rPr lang="es-ES" sz="1200" dirty="0" err="1"/>
-                <a:t>slaves</a:t>
-              </a:r>
-              <a:endParaRPr lang="es-ES" sz="1200" dirty="0"/>
-            </a:p>
-          </p:txBody>
-        </p:sp>
-        <p:sp>
-          <p:nvSpPr>
-            <p:cNvPr id="118" name="CuadroTexto 117">
-              <a:extLst>
-                <a:ext uri="{FF2B5EF4-FFF2-40B4-BE49-F238E27FC236}">
-                  <a16:creationId xmlns:a16="http://schemas.microsoft.com/office/drawing/2014/main" id="{E5A592C2-4CDD-468C-B33B-E2FC084F7F25}"/>
-                </a:ext>
-              </a:extLst>
-            </p:cNvPr>
-            <p:cNvSpPr txBox="1"/>
-            <p:nvPr/>
-          </p:nvSpPr>
-          <p:spPr>
-            <a:xfrm>
-              <a:off x="671918" y="2974930"/>
-              <a:ext cx="1222008" cy="461665"/>
-            </a:xfrm>
-            <a:prstGeom prst="rect">
-              <a:avLst/>
-            </a:prstGeom>
-            <a:noFill/>
-          </p:spPr>
-          <p:txBody>
-            <a:bodyPr wrap="square" rtlCol="0">
-              <a:spAutoFit/>
-            </a:bodyPr>
-            <a:lstStyle/>
-            <a:p>
-              <a:pPr algn="ctr"/>
               <a:r>
                 <a:rPr lang="es-ES" sz="1200" dirty="0" err="1"/>
                 <a:t>Wait</a:t>
@@ -23292,54 +21643,70 @@
               </a:r>
               <a:r>
                 <a:rPr lang="es-ES" sz="1200" dirty="0" err="1"/>
-                <a:t>slaves</a:t>
+                <a:t>frame</a:t>
               </a:r>
-              <a:r>
-                <a:rPr lang="es-ES" sz="1200" dirty="0"/>
-                <a:t> (5 </a:t>
-              </a:r>
-              <a:r>
-                <a:rPr lang="es-ES" sz="1200" dirty="0" err="1"/>
-                <a:t>seg</a:t>
-              </a:r>
-              <a:r>
-                <a:rPr lang="es-ES" sz="1200" dirty="0"/>
-                <a:t>)</a:t>
-              </a:r>
+              <a:endParaRPr lang="es-ES" sz="1200" dirty="0"/>
             </a:p>
           </p:txBody>
         </p:sp>
         <p:sp>
           <p:nvSpPr>
-            <p:cNvPr id="119" name="CuadroTexto 118">
+            <p:cNvPr id="63" name="Elipse 62">
               <a:extLst>
                 <a:ext uri="{FF2B5EF4-FFF2-40B4-BE49-F238E27FC236}">
-                  <a16:creationId xmlns:a16="http://schemas.microsoft.com/office/drawing/2014/main" id="{A2C0B90D-2C95-4B5E-AA6C-1718DF376070}"/>
+                  <a16:creationId xmlns:a16="http://schemas.microsoft.com/office/drawing/2014/main" id="{DF5D2B5A-C78A-4C0D-9E7D-11D22BA54276}"/>
                 </a:ext>
               </a:extLst>
             </p:cNvPr>
-            <p:cNvSpPr txBox="1"/>
+            <p:cNvSpPr/>
             <p:nvPr/>
           </p:nvSpPr>
           <p:spPr>
             <a:xfrm>
-              <a:off x="490683" y="3671667"/>
-              <a:ext cx="595741" cy="276999"/>
+              <a:off x="6442500" y="2888290"/>
+              <a:ext cx="592747" cy="540710"/>
             </a:xfrm>
-            <a:prstGeom prst="rect">
+            <a:prstGeom prst="ellipse">
               <a:avLst/>
             </a:prstGeom>
-            <a:noFill/>
+            <a:solidFill>
+              <a:schemeClr val="bg1">
+                <a:lumMod val="50000"/>
+              </a:schemeClr>
+            </a:solidFill>
+            <a:ln>
+              <a:solidFill>
+                <a:schemeClr val="tx1">
+                  <a:lumMod val="95000"/>
+                  <a:lumOff val="5000"/>
+                </a:schemeClr>
+              </a:solidFill>
+            </a:ln>
           </p:spPr>
+          <p:style>
+            <a:lnRef idx="2">
+              <a:schemeClr val="accent1">
+                <a:shade val="50000"/>
+              </a:schemeClr>
+            </a:lnRef>
+            <a:fillRef idx="1">
+              <a:schemeClr val="accent1"/>
+            </a:fillRef>
+            <a:effectRef idx="0">
+              <a:schemeClr val="accent1"/>
+            </a:effectRef>
+            <a:fontRef idx="minor">
+              <a:schemeClr val="lt1"/>
+            </a:fontRef>
+          </p:style>
           <p:txBody>
-            <a:bodyPr wrap="none" rtlCol="0">
-              <a:spAutoFit/>
-            </a:bodyPr>
+            <a:bodyPr rtlCol="0" anchor="ctr"/>
             <a:lstStyle/>
             <a:p>
+              <a:pPr algn="ctr"/>
               <a:r>
-                <a:rPr lang="es-ES" sz="1200" dirty="0"/>
-                <a:t>Try 2x</a:t>
+                <a:rPr lang="es-ES" dirty="0"/>
+                <a:t>0</a:t>
               </a:r>
             </a:p>
           </p:txBody>
@@ -23347,10 +21714,10 @@
       </p:grpSp>
       <p:grpSp>
         <p:nvGrpSpPr>
-          <p:cNvPr id="144" name="Grupo 143">
+          <p:cNvPr id="65" name="Grupo 64">
             <a:extLst>
               <a:ext uri="{FF2B5EF4-FFF2-40B4-BE49-F238E27FC236}">
-                <a16:creationId xmlns:a16="http://schemas.microsoft.com/office/drawing/2014/main" id="{17BB40D1-A291-4006-9F6B-4FE849091F83}"/>
+                <a16:creationId xmlns:a16="http://schemas.microsoft.com/office/drawing/2014/main" id="{35F52353-BDFB-4910-B571-A2E9CD0063D0}"/>
               </a:ext>
             </a:extLst>
           </p:cNvPr>
@@ -23359,129 +21726,18 @@
         </p:nvGrpSpPr>
         <p:grpSpPr>
           <a:xfrm>
-            <a:off x="2997841" y="2889166"/>
-            <a:ext cx="1086633" cy="1610445"/>
-            <a:chOff x="2997841" y="2889166"/>
-            <a:chExt cx="1086633" cy="1610445"/>
-          </a:xfrm>
-        </p:grpSpPr>
-        <p:cxnSp>
-          <p:nvCxnSpPr>
-            <p:cNvPr id="123" name="Conector: curvado 122">
-              <a:extLst>
-                <a:ext uri="{FF2B5EF4-FFF2-40B4-BE49-F238E27FC236}">
-                  <a16:creationId xmlns:a16="http://schemas.microsoft.com/office/drawing/2014/main" id="{BDC9852F-BC68-435B-9641-8337015447ED}"/>
-                </a:ext>
-              </a:extLst>
-            </p:cNvPr>
-            <p:cNvCxnSpPr>
-              <a:cxnSpLocks/>
-              <a:stCxn id="33" idx="6"/>
-              <a:endCxn id="63" idx="3"/>
-            </p:cNvCxnSpPr>
-            <p:nvPr/>
-          </p:nvCxnSpPr>
-          <p:spPr>
-            <a:xfrm flipV="1">
-              <a:off x="2997841" y="2889166"/>
-              <a:ext cx="1086633" cy="1610445"/>
-            </a:xfrm>
-            <a:prstGeom prst="curvedConnector2">
-              <a:avLst/>
-            </a:prstGeom>
-            <a:ln>
-              <a:tailEnd type="triangle"/>
-            </a:ln>
-          </p:spPr>
-          <p:style>
-            <a:lnRef idx="3">
-              <a:schemeClr val="dk1"/>
-            </a:lnRef>
-            <a:fillRef idx="0">
-              <a:schemeClr val="dk1"/>
-            </a:fillRef>
-            <a:effectRef idx="2">
-              <a:schemeClr val="dk1"/>
-            </a:effectRef>
-            <a:fontRef idx="minor">
-              <a:schemeClr val="tx1"/>
-            </a:fontRef>
-          </p:style>
-        </p:cxnSp>
-        <p:sp>
-          <p:nvSpPr>
-            <p:cNvPr id="128" name="CuadroTexto 127">
-              <a:extLst>
-                <a:ext uri="{FF2B5EF4-FFF2-40B4-BE49-F238E27FC236}">
-                  <a16:creationId xmlns:a16="http://schemas.microsoft.com/office/drawing/2014/main" id="{66B47E7F-28C2-4C1C-A419-97222E2E0C08}"/>
-                </a:ext>
-              </a:extLst>
-            </p:cNvPr>
-            <p:cNvSpPr txBox="1"/>
-            <p:nvPr/>
-          </p:nvSpPr>
-          <p:spPr>
-            <a:xfrm rot="18249917">
-              <a:off x="2903270" y="3619037"/>
-              <a:ext cx="1455116" cy="276999"/>
-            </a:xfrm>
-            <a:prstGeom prst="rect">
-              <a:avLst/>
-            </a:prstGeom>
-            <a:noFill/>
-          </p:spPr>
-          <p:txBody>
-            <a:bodyPr wrap="square" rtlCol="0">
-              <a:spAutoFit/>
-            </a:bodyPr>
-            <a:lstStyle/>
-            <a:p>
-              <a:r>
-                <a:rPr lang="es-ES" sz="1200" dirty="0" err="1"/>
-                <a:t>Reset</a:t>
-              </a:r>
-              <a:r>
-                <a:rPr lang="es-ES" sz="1200" dirty="0"/>
-                <a:t> </a:t>
-              </a:r>
-              <a:r>
-                <a:rPr lang="es-ES" sz="1200" dirty="0" err="1"/>
-                <a:t>every</a:t>
-              </a:r>
-              <a:r>
-                <a:rPr lang="es-ES" sz="1200" dirty="0"/>
-                <a:t> 2 min</a:t>
-              </a:r>
-            </a:p>
-          </p:txBody>
-        </p:sp>
-      </p:grpSp>
-      <p:grpSp>
-        <p:nvGrpSpPr>
-          <p:cNvPr id="145" name="Grupo 144">
-            <a:extLst>
-              <a:ext uri="{FF2B5EF4-FFF2-40B4-BE49-F238E27FC236}">
-                <a16:creationId xmlns:a16="http://schemas.microsoft.com/office/drawing/2014/main" id="{19463B88-87BD-4035-B614-ED4EAD02A9FA}"/>
-              </a:ext>
-            </a:extLst>
-          </p:cNvPr>
-          <p:cNvGrpSpPr/>
-          <p:nvPr/>
-        </p:nvGrpSpPr>
-        <p:grpSpPr>
-          <a:xfrm>
-            <a:off x="2007766" y="4549538"/>
-            <a:ext cx="1580883" cy="1334897"/>
-            <a:chOff x="2007766" y="4549538"/>
-            <a:chExt cx="1580883" cy="1334897"/>
+            <a:off x="4596236" y="1246826"/>
+            <a:ext cx="4677558" cy="4482667"/>
+            <a:chOff x="367319" y="1668836"/>
+            <a:chExt cx="4543912" cy="4354590"/>
           </a:xfrm>
         </p:grpSpPr>
         <p:sp>
           <p:nvSpPr>
-            <p:cNvPr id="129" name="Elipse 128">
+            <p:cNvPr id="66" name="Elipse 65">
               <a:extLst>
                 <a:ext uri="{FF2B5EF4-FFF2-40B4-BE49-F238E27FC236}">
-                  <a16:creationId xmlns:a16="http://schemas.microsoft.com/office/drawing/2014/main" id="{B9BA1703-3A53-4B4C-BE71-6C8B6231D9E0}"/>
+                  <a16:creationId xmlns:a16="http://schemas.microsoft.com/office/drawing/2014/main" id="{033C7C42-0A04-4041-BD6D-E424231DBDF0}"/>
                 </a:ext>
               </a:extLst>
             </p:cNvPr>
@@ -23490,24 +21746,33 @@
           </p:nvSpPr>
           <p:spPr>
             <a:xfrm>
-              <a:off x="2110174" y="4549538"/>
-              <a:ext cx="1138740" cy="1014615"/>
+              <a:off x="367319" y="1989299"/>
+              <a:ext cx="4543912" cy="4034127"/>
             </a:xfrm>
             <a:prstGeom prst="ellipse">
               <a:avLst/>
             </a:prstGeom>
             <a:noFill/>
-            <a:ln w="25400"/>
+            <a:ln>
+              <a:solidFill>
+                <a:schemeClr val="bg2">
+                  <a:lumMod val="50000"/>
+                </a:schemeClr>
+              </a:solidFill>
+              <a:prstDash val="dash"/>
+            </a:ln>
           </p:spPr>
           <p:style>
-            <a:lnRef idx="1">
-              <a:schemeClr val="dk1"/>
+            <a:lnRef idx="2">
+              <a:schemeClr val="accent1">
+                <a:shade val="50000"/>
+              </a:schemeClr>
             </a:lnRef>
-            <a:fillRef idx="3">
-              <a:schemeClr val="dk1"/>
+            <a:fillRef idx="1">
+              <a:schemeClr val="accent1"/>
             </a:fillRef>
-            <a:effectRef idx="2">
-              <a:schemeClr val="dk1"/>
+            <a:effectRef idx="0">
+              <a:schemeClr val="accent1"/>
             </a:effectRef>
             <a:fontRef idx="minor">
               <a:schemeClr val="lt1"/>
@@ -23524,10 +21789,10 @@
         </p:sp>
         <p:sp>
           <p:nvSpPr>
-            <p:cNvPr id="130" name="CuadroTexto 129">
+            <p:cNvPr id="69" name="CuadroTexto 68">
               <a:extLst>
                 <a:ext uri="{FF2B5EF4-FFF2-40B4-BE49-F238E27FC236}">
-                  <a16:creationId xmlns:a16="http://schemas.microsoft.com/office/drawing/2014/main" id="{5733F953-ECD6-480C-8A9C-149FE37A1743}"/>
+                  <a16:creationId xmlns:a16="http://schemas.microsoft.com/office/drawing/2014/main" id="{1E55001A-3B26-46F7-99BC-812A7A6A7926}"/>
                 </a:ext>
               </a:extLst>
             </p:cNvPr>
@@ -23536,56 +21801,8 @@
           </p:nvSpPr>
           <p:spPr>
             <a:xfrm>
-              <a:off x="2007766" y="5607436"/>
-              <a:ext cx="1580883" cy="276999"/>
-            </a:xfrm>
-            <a:prstGeom prst="rect">
-              <a:avLst/>
-            </a:prstGeom>
-            <a:noFill/>
-          </p:spPr>
-          <p:txBody>
-            <a:bodyPr wrap="square" rtlCol="0">
-              <a:spAutoFit/>
-            </a:bodyPr>
-            <a:lstStyle/>
-            <a:p>
-              <a:r>
-                <a:rPr lang="es-ES" sz="1200" dirty="0"/>
-                <a:t>Ask </a:t>
-              </a:r>
-              <a:r>
-                <a:rPr lang="es-ES" sz="1200" dirty="0" err="1"/>
-                <a:t>every</a:t>
-              </a:r>
-              <a:r>
-                <a:rPr lang="es-ES" sz="1200" dirty="0"/>
-                <a:t> </a:t>
-              </a:r>
-              <a:r>
-                <a:rPr lang="es-ES" sz="1200" dirty="0" err="1"/>
-                <a:t>slaves</a:t>
-              </a:r>
-              <a:endParaRPr lang="es-ES" sz="1200" dirty="0"/>
-            </a:p>
-          </p:txBody>
-        </p:sp>
-        <p:sp>
-          <p:nvSpPr>
-            <p:cNvPr id="131" name="CuadroTexto 130">
-              <a:extLst>
-                <a:ext uri="{FF2B5EF4-FFF2-40B4-BE49-F238E27FC236}">
-                  <a16:creationId xmlns:a16="http://schemas.microsoft.com/office/drawing/2014/main" id="{DCD6FCDD-0B08-42D6-B029-4CBC9FF503A8}"/>
-                </a:ext>
-              </a:extLst>
-            </p:cNvPr>
-            <p:cNvSpPr txBox="1"/>
-            <p:nvPr/>
-          </p:nvSpPr>
-          <p:spPr>
-            <a:xfrm>
-              <a:off x="2219610" y="4938061"/>
-              <a:ext cx="919867" cy="276999"/>
+              <a:off x="2159015" y="1668836"/>
+              <a:ext cx="710747" cy="228199"/>
             </a:xfrm>
             <a:prstGeom prst="rect">
               <a:avLst/>
@@ -23599,23 +21816,45 @@
             <a:lstStyle/>
             <a:p>
               <a:r>
-                <a:rPr lang="es-ES" sz="1200" dirty="0" err="1"/>
-                <a:t>Wait</a:t>
+                <a:rPr lang="es-ES" sz="1200" dirty="0">
+                  <a:solidFill>
+                    <a:schemeClr val="tx1">
+                      <a:lumMod val="65000"/>
+                      <a:lumOff val="35000"/>
+                    </a:schemeClr>
+                  </a:solidFill>
+                </a:rPr>
+                <a:t>Slave </a:t>
               </a:r>
               <a:r>
-                <a:rPr lang="es-ES" sz="1200" dirty="0"/>
-                <a:t> 2 min</a:t>
+                <a:rPr lang="es-ES" sz="1200" dirty="0" err="1">
+                  <a:solidFill>
+                    <a:schemeClr val="tx1">
+                      <a:lumMod val="65000"/>
+                      <a:lumOff val="35000"/>
+                    </a:schemeClr>
+                  </a:solidFill>
+                </a:rPr>
+                <a:t>side</a:t>
               </a:r>
+              <a:endParaRPr lang="es-ES" sz="1200" dirty="0">
+                <a:solidFill>
+                  <a:schemeClr val="tx1">
+                    <a:lumMod val="65000"/>
+                    <a:lumOff val="35000"/>
+                  </a:schemeClr>
+                </a:solidFill>
+              </a:endParaRPr>
             </a:p>
           </p:txBody>
         </p:sp>
       </p:grpSp>
       <p:sp>
         <p:nvSpPr>
-          <p:cNvPr id="29" name="Elipse 28">
+          <p:cNvPr id="73" name="Elipse 72">
             <a:extLst>
               <a:ext uri="{FF2B5EF4-FFF2-40B4-BE49-F238E27FC236}">
-                <a16:creationId xmlns:a16="http://schemas.microsoft.com/office/drawing/2014/main" id="{8D43DA05-4B63-46AE-90C9-5013F9A5BDB1}"/>
+                <a16:creationId xmlns:a16="http://schemas.microsoft.com/office/drawing/2014/main" id="{AB4B20A4-4101-4533-875D-6232103D1587}"/>
               </a:ext>
             </a:extLst>
           </p:cNvPr>
@@ -23624,7 +21863,7 @@
         </p:nvSpPr>
         <p:spPr>
           <a:xfrm>
-            <a:off x="6422402" y="2790465"/>
+            <a:off x="4186545" y="1675480"/>
             <a:ext cx="592747" cy="540710"/>
           </a:xfrm>
           <a:prstGeom prst="ellipse">
@@ -23666,18 +21905,19 @@
           <a:p>
             <a:pPr algn="ctr"/>
             <a:r>
-              <a:rPr lang="es-ES" dirty="0"/>
-              <a:t>1</a:t>
-            </a:r>
+              <a:rPr lang="es-ES" sz="1200" dirty="0" err="1"/>
+              <a:t>Init</a:t>
+            </a:r>
+            <a:endParaRPr lang="es-ES" sz="1200" dirty="0"/>
           </a:p>
         </p:txBody>
       </p:sp>
       <p:sp>
         <p:nvSpPr>
-          <p:cNvPr id="33" name="Elipse 32">
+          <p:cNvPr id="79" name="Elipse 78">
             <a:extLst>
               <a:ext uri="{FF2B5EF4-FFF2-40B4-BE49-F238E27FC236}">
-                <a16:creationId xmlns:a16="http://schemas.microsoft.com/office/drawing/2014/main" id="{3F4F441D-F589-47CE-A978-26A9FA150F83}"/>
+                <a16:creationId xmlns:a16="http://schemas.microsoft.com/office/drawing/2014/main" id="{A49F28F5-65D0-49DF-8133-7F9BBD979FE4}"/>
               </a:ext>
             </a:extLst>
           </p:cNvPr>
@@ -23686,7 +21926,7 @@
         </p:nvSpPr>
         <p:spPr>
           <a:xfrm>
-            <a:off x="2405094" y="4229256"/>
+            <a:off x="6459097" y="4878396"/>
             <a:ext cx="592747" cy="540710"/>
           </a:xfrm>
           <a:prstGeom prst="ellipse">
@@ -23729,17 +21969,921 @@
             <a:pPr algn="ctr"/>
             <a:r>
               <a:rPr lang="es-ES" dirty="0"/>
-              <a:t>4</a:t>
+              <a:t>1</a:t>
             </a:r>
           </a:p>
         </p:txBody>
       </p:sp>
+      <p:grpSp>
+        <p:nvGrpSpPr>
+          <p:cNvPr id="72" name="Grupo 71">
+            <a:extLst>
+              <a:ext uri="{FF2B5EF4-FFF2-40B4-BE49-F238E27FC236}">
+                <a16:creationId xmlns:a16="http://schemas.microsoft.com/office/drawing/2014/main" id="{A6CAA369-DF83-4193-A4C6-F6A4E5F18DE9}"/>
+              </a:ext>
+            </a:extLst>
+          </p:cNvPr>
+          <p:cNvGrpSpPr/>
+          <p:nvPr/>
+        </p:nvGrpSpPr>
+        <p:grpSpPr>
+          <a:xfrm>
+            <a:off x="6738873" y="3429000"/>
+            <a:ext cx="2774403" cy="1449396"/>
+            <a:chOff x="6738873" y="3429000"/>
+            <a:chExt cx="2774403" cy="1449396"/>
+          </a:xfrm>
+        </p:grpSpPr>
+        <p:cxnSp>
+          <p:nvCxnSpPr>
+            <p:cNvPr id="80" name="Conector: curvado 79">
+              <a:extLst>
+                <a:ext uri="{FF2B5EF4-FFF2-40B4-BE49-F238E27FC236}">
+                  <a16:creationId xmlns:a16="http://schemas.microsoft.com/office/drawing/2014/main" id="{13FB397E-1D2C-4E8A-A651-B0F7DF87CB6F}"/>
+                </a:ext>
+              </a:extLst>
+            </p:cNvPr>
+            <p:cNvCxnSpPr>
+              <a:cxnSpLocks/>
+              <a:stCxn id="63" idx="4"/>
+              <a:endCxn id="79" idx="0"/>
+            </p:cNvCxnSpPr>
+            <p:nvPr/>
+          </p:nvCxnSpPr>
+          <p:spPr>
+            <a:xfrm rot="16200000" flipH="1">
+              <a:off x="6022474" y="4145399"/>
+              <a:ext cx="1449396" cy="16597"/>
+            </a:xfrm>
+            <a:prstGeom prst="curvedConnector3">
+              <a:avLst>
+                <a:gd name="adj1" fmla="val 50000"/>
+              </a:avLst>
+            </a:prstGeom>
+            <a:ln>
+              <a:tailEnd type="triangle"/>
+            </a:ln>
+          </p:spPr>
+          <p:style>
+            <a:lnRef idx="3">
+              <a:schemeClr val="dk1"/>
+            </a:lnRef>
+            <a:fillRef idx="0">
+              <a:schemeClr val="dk1"/>
+            </a:fillRef>
+            <a:effectRef idx="2">
+              <a:schemeClr val="dk1"/>
+            </a:effectRef>
+            <a:fontRef idx="minor">
+              <a:schemeClr val="tx1"/>
+            </a:fontRef>
+          </p:style>
+        </p:cxnSp>
+        <p:sp>
+          <p:nvSpPr>
+            <p:cNvPr id="96" name="CuadroTexto 95">
+              <a:extLst>
+                <a:ext uri="{FF2B5EF4-FFF2-40B4-BE49-F238E27FC236}">
+                  <a16:creationId xmlns:a16="http://schemas.microsoft.com/office/drawing/2014/main" id="{81E95268-7982-4A9A-B8A1-A180340E7B1A}"/>
+                </a:ext>
+              </a:extLst>
+            </p:cNvPr>
+            <p:cNvSpPr txBox="1"/>
+            <p:nvPr/>
+          </p:nvSpPr>
+          <p:spPr>
+            <a:xfrm>
+              <a:off x="6755470" y="3993598"/>
+              <a:ext cx="2757806" cy="276999"/>
+            </a:xfrm>
+            <a:prstGeom prst="rect">
+              <a:avLst/>
+            </a:prstGeom>
+            <a:noFill/>
+          </p:spPr>
+          <p:txBody>
+            <a:bodyPr wrap="square" rtlCol="0">
+              <a:spAutoFit/>
+            </a:bodyPr>
+            <a:lstStyle/>
+            <a:p>
+              <a:r>
+                <a:rPr lang="es-ES" sz="1200" dirty="0" err="1"/>
+                <a:t>If</a:t>
+              </a:r>
+              <a:r>
+                <a:rPr lang="es-ES" sz="1200" dirty="0"/>
+                <a:t> server </a:t>
+              </a:r>
+              <a:r>
+                <a:rPr lang="es-ES" sz="1200" dirty="0" err="1"/>
+                <a:t>is</a:t>
+              </a:r>
+              <a:r>
+                <a:rPr lang="es-ES" sz="1200" dirty="0"/>
+                <a:t> </a:t>
+              </a:r>
+              <a:r>
+                <a:rPr lang="es-ES" sz="1200" dirty="0" err="1"/>
+                <a:t>asking</a:t>
+              </a:r>
+              <a:r>
+                <a:rPr lang="es-ES" sz="1200" dirty="0"/>
+                <a:t> me a </a:t>
+              </a:r>
+              <a:r>
+                <a:rPr lang="es-ES" sz="1200" dirty="0" err="1"/>
+                <a:t>command</a:t>
+              </a:r>
+              <a:endParaRPr lang="es-ES" sz="1200" dirty="0"/>
+            </a:p>
+          </p:txBody>
+        </p:sp>
+      </p:grpSp>
+      <p:grpSp>
+        <p:nvGrpSpPr>
+          <p:cNvPr id="60" name="Grupo 59">
+            <a:extLst>
+              <a:ext uri="{FF2B5EF4-FFF2-40B4-BE49-F238E27FC236}">
+                <a16:creationId xmlns:a16="http://schemas.microsoft.com/office/drawing/2014/main" id="{6279CA6C-ADBC-4942-9FF2-5E3F1BA043C6}"/>
+              </a:ext>
+            </a:extLst>
+          </p:cNvPr>
+          <p:cNvGrpSpPr/>
+          <p:nvPr/>
+        </p:nvGrpSpPr>
+        <p:grpSpPr>
+          <a:xfrm>
+            <a:off x="4988800" y="3158645"/>
+            <a:ext cx="1470298" cy="1990106"/>
+            <a:chOff x="4988800" y="3158645"/>
+            <a:chExt cx="1470298" cy="1990106"/>
+          </a:xfrm>
+        </p:grpSpPr>
+        <p:cxnSp>
+          <p:nvCxnSpPr>
+            <p:cNvPr id="107" name="Conector: curvado 106">
+              <a:extLst>
+                <a:ext uri="{FF2B5EF4-FFF2-40B4-BE49-F238E27FC236}">
+                  <a16:creationId xmlns:a16="http://schemas.microsoft.com/office/drawing/2014/main" id="{7DAA6BC6-AE52-44BE-AB7D-E632458FEC3C}"/>
+                </a:ext>
+              </a:extLst>
+            </p:cNvPr>
+            <p:cNvCxnSpPr>
+              <a:cxnSpLocks/>
+              <a:stCxn id="79" idx="2"/>
+              <a:endCxn id="63" idx="2"/>
+            </p:cNvCxnSpPr>
+            <p:nvPr/>
+          </p:nvCxnSpPr>
+          <p:spPr>
+            <a:xfrm rot="10800000">
+              <a:off x="6442501" y="3158645"/>
+              <a:ext cx="16597" cy="1990106"/>
+            </a:xfrm>
+            <a:prstGeom prst="curvedConnector3">
+              <a:avLst>
+                <a:gd name="adj1" fmla="val 1477357"/>
+              </a:avLst>
+            </a:prstGeom>
+            <a:ln>
+              <a:tailEnd type="triangle"/>
+            </a:ln>
+          </p:spPr>
+          <p:style>
+            <a:lnRef idx="3">
+              <a:schemeClr val="dk1"/>
+            </a:lnRef>
+            <a:fillRef idx="0">
+              <a:schemeClr val="dk1"/>
+            </a:fillRef>
+            <a:effectRef idx="2">
+              <a:schemeClr val="dk1"/>
+            </a:effectRef>
+            <a:fontRef idx="minor">
+              <a:schemeClr val="tx1"/>
+            </a:fontRef>
+          </p:style>
+        </p:cxnSp>
+        <p:sp>
+          <p:nvSpPr>
+            <p:cNvPr id="113" name="CuadroTexto 112">
+              <a:extLst>
+                <a:ext uri="{FF2B5EF4-FFF2-40B4-BE49-F238E27FC236}">
+                  <a16:creationId xmlns:a16="http://schemas.microsoft.com/office/drawing/2014/main" id="{48B00337-DA1C-409A-B167-5C98C5132DD0}"/>
+                </a:ext>
+              </a:extLst>
+            </p:cNvPr>
+            <p:cNvSpPr txBox="1"/>
+            <p:nvPr/>
+          </p:nvSpPr>
+          <p:spPr>
+            <a:xfrm>
+              <a:off x="4988800" y="3788929"/>
+              <a:ext cx="1376131" cy="657674"/>
+            </a:xfrm>
+            <a:prstGeom prst="rect">
+              <a:avLst/>
+            </a:prstGeom>
+            <a:noFill/>
+          </p:spPr>
+          <p:txBody>
+            <a:bodyPr wrap="square" rtlCol="0">
+              <a:spAutoFit/>
+            </a:bodyPr>
+            <a:lstStyle/>
+            <a:p>
+              <a:pPr algn="ctr"/>
+              <a:r>
+                <a:rPr lang="es-ES" sz="1200" dirty="0" err="1"/>
+                <a:t>Answer</a:t>
+              </a:r>
+              <a:r>
+                <a:rPr lang="es-ES" sz="1200" dirty="0"/>
+                <a:t> </a:t>
+              </a:r>
+              <a:r>
+                <a:rPr lang="es-ES" sz="1200" dirty="0" err="1"/>
+                <a:t>with</a:t>
+              </a:r>
+              <a:r>
+                <a:rPr lang="es-ES" sz="1200" dirty="0"/>
+                <a:t> </a:t>
+              </a:r>
+            </a:p>
+            <a:p>
+              <a:pPr algn="ctr"/>
+              <a:r>
+                <a:rPr lang="es-ES" sz="1200" dirty="0" err="1"/>
+                <a:t>desired</a:t>
+              </a:r>
+              <a:r>
+                <a:rPr lang="es-ES" sz="1200" dirty="0"/>
+                <a:t> </a:t>
+              </a:r>
+              <a:r>
+                <a:rPr lang="es-ES" sz="1200" dirty="0" err="1"/>
+                <a:t>command</a:t>
+              </a:r>
+              <a:endParaRPr lang="es-ES" sz="1200" dirty="0"/>
+            </a:p>
+          </p:txBody>
+        </p:sp>
+      </p:grpSp>
+      <p:grpSp>
+        <p:nvGrpSpPr>
+          <p:cNvPr id="54" name="Grupo 53">
+            <a:extLst>
+              <a:ext uri="{FF2B5EF4-FFF2-40B4-BE49-F238E27FC236}">
+                <a16:creationId xmlns:a16="http://schemas.microsoft.com/office/drawing/2014/main" id="{EB40AEBD-9172-4E2E-8C97-D58A17B026EA}"/>
+              </a:ext>
+            </a:extLst>
+          </p:cNvPr>
+          <p:cNvGrpSpPr/>
+          <p:nvPr/>
+        </p:nvGrpSpPr>
+        <p:grpSpPr>
+          <a:xfrm>
+            <a:off x="4779292" y="1866888"/>
+            <a:ext cx="2092203" cy="1021402"/>
+            <a:chOff x="4779292" y="1866888"/>
+            <a:chExt cx="2092203" cy="1021402"/>
+          </a:xfrm>
+        </p:grpSpPr>
+        <p:cxnSp>
+          <p:nvCxnSpPr>
+            <p:cNvPr id="71" name="Conector: curvado 70">
+              <a:extLst>
+                <a:ext uri="{FF2B5EF4-FFF2-40B4-BE49-F238E27FC236}">
+                  <a16:creationId xmlns:a16="http://schemas.microsoft.com/office/drawing/2014/main" id="{2F472EF4-7484-4CE9-936A-6467830A8EA4}"/>
+                </a:ext>
+              </a:extLst>
+            </p:cNvPr>
+            <p:cNvCxnSpPr>
+              <a:cxnSpLocks/>
+              <a:stCxn id="73" idx="6"/>
+              <a:endCxn id="63" idx="0"/>
+            </p:cNvCxnSpPr>
+            <p:nvPr/>
+          </p:nvCxnSpPr>
+          <p:spPr>
+            <a:xfrm>
+              <a:off x="4779292" y="1945835"/>
+              <a:ext cx="1959582" cy="942455"/>
+            </a:xfrm>
+            <a:prstGeom prst="curvedConnector2">
+              <a:avLst/>
+            </a:prstGeom>
+            <a:ln>
+              <a:tailEnd type="triangle"/>
+            </a:ln>
+          </p:spPr>
+          <p:style>
+            <a:lnRef idx="3">
+              <a:schemeClr val="dk1"/>
+            </a:lnRef>
+            <a:fillRef idx="0">
+              <a:schemeClr val="dk1"/>
+            </a:fillRef>
+            <a:effectRef idx="2">
+              <a:schemeClr val="dk1"/>
+            </a:effectRef>
+            <a:fontRef idx="minor">
+              <a:schemeClr val="tx1"/>
+            </a:fontRef>
+          </p:style>
+        </p:cxnSp>
+        <p:sp>
+          <p:nvSpPr>
+            <p:cNvPr id="114" name="CuadroTexto 113">
+              <a:extLst>
+                <a:ext uri="{FF2B5EF4-FFF2-40B4-BE49-F238E27FC236}">
+                  <a16:creationId xmlns:a16="http://schemas.microsoft.com/office/drawing/2014/main" id="{73966336-860F-4024-ACC0-A9CD85347FA3}"/>
+                </a:ext>
+              </a:extLst>
+            </p:cNvPr>
+            <p:cNvSpPr txBox="1"/>
+            <p:nvPr/>
+          </p:nvSpPr>
+          <p:spPr>
+            <a:xfrm>
+              <a:off x="5858366" y="1866888"/>
+              <a:ext cx="1013129" cy="276999"/>
+            </a:xfrm>
+            <a:prstGeom prst="rect">
+              <a:avLst/>
+            </a:prstGeom>
+            <a:noFill/>
+          </p:spPr>
+          <p:txBody>
+            <a:bodyPr wrap="square" rtlCol="0">
+              <a:spAutoFit/>
+            </a:bodyPr>
+            <a:lstStyle/>
+            <a:p>
+              <a:r>
+                <a:rPr lang="es-ES" sz="1200" dirty="0" err="1"/>
+                <a:t>I’m</a:t>
+              </a:r>
+              <a:r>
+                <a:rPr lang="es-ES" sz="1200" dirty="0"/>
+                <a:t> a </a:t>
+              </a:r>
+              <a:r>
+                <a:rPr lang="es-ES" sz="1200" dirty="0" err="1"/>
+                <a:t>client</a:t>
+              </a:r>
+              <a:endParaRPr lang="es-ES" sz="1200" dirty="0"/>
+            </a:p>
+          </p:txBody>
+        </p:sp>
+      </p:grpSp>
+      <p:grpSp>
+        <p:nvGrpSpPr>
+          <p:cNvPr id="55" name="Grupo 54">
+            <a:extLst>
+              <a:ext uri="{FF2B5EF4-FFF2-40B4-BE49-F238E27FC236}">
+                <a16:creationId xmlns:a16="http://schemas.microsoft.com/office/drawing/2014/main" id="{C26B1A87-BA2C-4916-936E-60005C345992}"/>
+              </a:ext>
+            </a:extLst>
+          </p:cNvPr>
+          <p:cNvGrpSpPr/>
+          <p:nvPr/>
+        </p:nvGrpSpPr>
+        <p:grpSpPr>
+          <a:xfrm>
+            <a:off x="1829730" y="1945834"/>
+            <a:ext cx="2356816" cy="942455"/>
+            <a:chOff x="1829730" y="1945834"/>
+            <a:chExt cx="2356816" cy="942455"/>
+          </a:xfrm>
+        </p:grpSpPr>
+        <p:cxnSp>
+          <p:nvCxnSpPr>
+            <p:cNvPr id="122" name="Conector: curvado 121">
+              <a:extLst>
+                <a:ext uri="{FF2B5EF4-FFF2-40B4-BE49-F238E27FC236}">
+                  <a16:creationId xmlns:a16="http://schemas.microsoft.com/office/drawing/2014/main" id="{E5A2D1F0-F4DE-4B06-8B12-CD5CBD4055C2}"/>
+                </a:ext>
+              </a:extLst>
+            </p:cNvPr>
+            <p:cNvCxnSpPr>
+              <a:cxnSpLocks/>
+              <a:stCxn id="73" idx="2"/>
+              <a:endCxn id="121" idx="0"/>
+            </p:cNvCxnSpPr>
+            <p:nvPr/>
+          </p:nvCxnSpPr>
+          <p:spPr>
+            <a:xfrm rot="10800000" flipV="1">
+              <a:off x="2474295" y="1945834"/>
+              <a:ext cx="1712251" cy="942455"/>
+            </a:xfrm>
+            <a:prstGeom prst="curvedConnector2">
+              <a:avLst/>
+            </a:prstGeom>
+            <a:ln>
+              <a:tailEnd type="triangle"/>
+            </a:ln>
+          </p:spPr>
+          <p:style>
+            <a:lnRef idx="3">
+              <a:schemeClr val="dk1"/>
+            </a:lnRef>
+            <a:fillRef idx="0">
+              <a:schemeClr val="dk1"/>
+            </a:fillRef>
+            <a:effectRef idx="2">
+              <a:schemeClr val="dk1"/>
+            </a:effectRef>
+            <a:fontRef idx="minor">
+              <a:schemeClr val="tx1"/>
+            </a:fontRef>
+          </p:style>
+        </p:cxnSp>
+        <p:sp>
+          <p:nvSpPr>
+            <p:cNvPr id="124" name="CuadroTexto 123">
+              <a:extLst>
+                <a:ext uri="{FF2B5EF4-FFF2-40B4-BE49-F238E27FC236}">
+                  <a16:creationId xmlns:a16="http://schemas.microsoft.com/office/drawing/2014/main" id="{4B3ACD9B-4F30-40BD-9565-70CBBB540E85}"/>
+                </a:ext>
+              </a:extLst>
+            </p:cNvPr>
+            <p:cNvSpPr txBox="1"/>
+            <p:nvPr/>
+          </p:nvSpPr>
+          <p:spPr>
+            <a:xfrm>
+              <a:off x="1829730" y="2098651"/>
+              <a:ext cx="1181097" cy="276999"/>
+            </a:xfrm>
+            <a:prstGeom prst="rect">
+              <a:avLst/>
+            </a:prstGeom>
+            <a:noFill/>
+          </p:spPr>
+          <p:txBody>
+            <a:bodyPr wrap="square" rtlCol="0">
+              <a:spAutoFit/>
+            </a:bodyPr>
+            <a:lstStyle/>
+            <a:p>
+              <a:r>
+                <a:rPr lang="es-ES" sz="1200" dirty="0" err="1"/>
+                <a:t>I’m</a:t>
+              </a:r>
+              <a:r>
+                <a:rPr lang="es-ES" sz="1200" dirty="0"/>
+                <a:t> a server</a:t>
+              </a:r>
+            </a:p>
+          </p:txBody>
+        </p:sp>
+      </p:grpSp>
+      <p:grpSp>
+        <p:nvGrpSpPr>
+          <p:cNvPr id="56" name="Grupo 55">
+            <a:extLst>
+              <a:ext uri="{FF2B5EF4-FFF2-40B4-BE49-F238E27FC236}">
+                <a16:creationId xmlns:a16="http://schemas.microsoft.com/office/drawing/2014/main" id="{34B80171-2509-40A9-A94B-5F6746506FDA}"/>
+              </a:ext>
+            </a:extLst>
+          </p:cNvPr>
+          <p:cNvGrpSpPr/>
+          <p:nvPr/>
+        </p:nvGrpSpPr>
+        <p:grpSpPr>
+          <a:xfrm>
+            <a:off x="2177920" y="2665598"/>
+            <a:ext cx="2022024" cy="763402"/>
+            <a:chOff x="2177920" y="2665598"/>
+            <a:chExt cx="2022024" cy="763402"/>
+          </a:xfrm>
+        </p:grpSpPr>
+        <p:sp>
+          <p:nvSpPr>
+            <p:cNvPr id="121" name="Elipse 120">
+              <a:extLst>
+                <a:ext uri="{FF2B5EF4-FFF2-40B4-BE49-F238E27FC236}">
+                  <a16:creationId xmlns:a16="http://schemas.microsoft.com/office/drawing/2014/main" id="{4811D61F-9ACE-4353-813F-F2CA5F40A3B8}"/>
+                </a:ext>
+              </a:extLst>
+            </p:cNvPr>
+            <p:cNvSpPr/>
+            <p:nvPr/>
+          </p:nvSpPr>
+          <p:spPr>
+            <a:xfrm>
+              <a:off x="2177920" y="2888290"/>
+              <a:ext cx="592747" cy="540710"/>
+            </a:xfrm>
+            <a:prstGeom prst="ellipse">
+              <a:avLst/>
+            </a:prstGeom>
+            <a:solidFill>
+              <a:schemeClr val="bg1">
+                <a:lumMod val="50000"/>
+              </a:schemeClr>
+            </a:solidFill>
+            <a:ln>
+              <a:solidFill>
+                <a:schemeClr val="tx1">
+                  <a:lumMod val="95000"/>
+                  <a:lumOff val="5000"/>
+                </a:schemeClr>
+              </a:solidFill>
+            </a:ln>
+          </p:spPr>
+          <p:style>
+            <a:lnRef idx="2">
+              <a:schemeClr val="accent1">
+                <a:shade val="50000"/>
+              </a:schemeClr>
+            </a:lnRef>
+            <a:fillRef idx="1">
+              <a:schemeClr val="accent1"/>
+            </a:fillRef>
+            <a:effectRef idx="0">
+              <a:schemeClr val="accent1"/>
+            </a:effectRef>
+            <a:fontRef idx="minor">
+              <a:schemeClr val="lt1"/>
+            </a:fontRef>
+          </p:style>
+          <p:txBody>
+            <a:bodyPr rtlCol="0" anchor="ctr"/>
+            <a:lstStyle/>
+            <a:p>
+              <a:pPr algn="ctr"/>
+              <a:r>
+                <a:rPr lang="es-ES" dirty="0"/>
+                <a:t>2</a:t>
+              </a:r>
+            </a:p>
+          </p:txBody>
+        </p:sp>
+        <p:sp>
+          <p:nvSpPr>
+            <p:cNvPr id="126" name="CuadroTexto 125">
+              <a:extLst>
+                <a:ext uri="{FF2B5EF4-FFF2-40B4-BE49-F238E27FC236}">
+                  <a16:creationId xmlns:a16="http://schemas.microsoft.com/office/drawing/2014/main" id="{4D859EB6-9C06-4984-8EC5-1932893307DA}"/>
+                </a:ext>
+              </a:extLst>
+            </p:cNvPr>
+            <p:cNvSpPr txBox="1"/>
+            <p:nvPr/>
+          </p:nvSpPr>
+          <p:spPr>
+            <a:xfrm>
+              <a:off x="2733474" y="2665598"/>
+              <a:ext cx="1466470" cy="464343"/>
+            </a:xfrm>
+            <a:prstGeom prst="rect">
+              <a:avLst/>
+            </a:prstGeom>
+            <a:noFill/>
+          </p:spPr>
+          <p:txBody>
+            <a:bodyPr wrap="square" rtlCol="0">
+              <a:spAutoFit/>
+            </a:bodyPr>
+            <a:lstStyle/>
+            <a:p>
+              <a:pPr algn="ctr"/>
+              <a:r>
+                <a:rPr lang="es-ES" sz="1200" dirty="0"/>
+                <a:t>Ask </a:t>
+              </a:r>
+              <a:r>
+                <a:rPr lang="es-ES" sz="1200" dirty="0" err="1"/>
+                <a:t>an</a:t>
+              </a:r>
+              <a:r>
+                <a:rPr lang="es-ES" sz="1200" dirty="0"/>
+                <a:t> </a:t>
+              </a:r>
+              <a:r>
+                <a:rPr lang="es-ES" sz="1200" dirty="0" err="1"/>
+                <a:t>available</a:t>
+              </a:r>
+              <a:r>
+                <a:rPr lang="es-ES" sz="1200" dirty="0"/>
+                <a:t> </a:t>
+              </a:r>
+            </a:p>
+            <a:p>
+              <a:pPr algn="ctr"/>
+              <a:r>
+                <a:rPr lang="es-ES" sz="1200" dirty="0" err="1"/>
+                <a:t>device</a:t>
+              </a:r>
+              <a:r>
+                <a:rPr lang="es-ES" sz="1200" dirty="0"/>
+                <a:t> a </a:t>
+              </a:r>
+              <a:r>
+                <a:rPr lang="es-ES" sz="1200" dirty="0" err="1"/>
+                <a:t>command</a:t>
+              </a:r>
+              <a:endParaRPr lang="es-ES" sz="1200" dirty="0"/>
+            </a:p>
+          </p:txBody>
+        </p:sp>
+      </p:grpSp>
+      <p:grpSp>
+        <p:nvGrpSpPr>
+          <p:cNvPr id="62" name="Grupo 61">
+            <a:extLst>
+              <a:ext uri="{FF2B5EF4-FFF2-40B4-BE49-F238E27FC236}">
+                <a16:creationId xmlns:a16="http://schemas.microsoft.com/office/drawing/2014/main" id="{9FC46BD7-6C44-46F8-9A08-C6110DC6F0B2}"/>
+              </a:ext>
+            </a:extLst>
+          </p:cNvPr>
+          <p:cNvGrpSpPr/>
+          <p:nvPr/>
+        </p:nvGrpSpPr>
+        <p:grpSpPr>
+          <a:xfrm>
+            <a:off x="6942091" y="2784857"/>
+            <a:ext cx="2194712" cy="646331"/>
+            <a:chOff x="6942091" y="2784857"/>
+            <a:chExt cx="2194712" cy="646331"/>
+          </a:xfrm>
+        </p:grpSpPr>
+        <p:cxnSp>
+          <p:nvCxnSpPr>
+            <p:cNvPr id="76" name="Conector: curvado 75">
+              <a:extLst>
+                <a:ext uri="{FF2B5EF4-FFF2-40B4-BE49-F238E27FC236}">
+                  <a16:creationId xmlns:a16="http://schemas.microsoft.com/office/drawing/2014/main" id="{FE73C152-3BF5-4BC1-B1A4-A6A28F6DDF83}"/>
+                </a:ext>
+              </a:extLst>
+            </p:cNvPr>
+            <p:cNvCxnSpPr>
+              <a:cxnSpLocks/>
+              <a:stCxn id="63" idx="7"/>
+              <a:endCxn id="63" idx="5"/>
+            </p:cNvCxnSpPr>
+            <p:nvPr/>
+          </p:nvCxnSpPr>
+          <p:spPr>
+            <a:xfrm rot="16200000" flipH="1">
+              <a:off x="6757271" y="3158645"/>
+              <a:ext cx="382340" cy="12700"/>
+            </a:xfrm>
+            <a:prstGeom prst="curvedConnector5">
+              <a:avLst>
+                <a:gd name="adj1" fmla="val -59790"/>
+                <a:gd name="adj2" fmla="val 5783787"/>
+                <a:gd name="adj3" fmla="val 159790"/>
+              </a:avLst>
+            </a:prstGeom>
+            <a:ln>
+              <a:tailEnd type="triangle"/>
+            </a:ln>
+          </p:spPr>
+          <p:style>
+            <a:lnRef idx="3">
+              <a:schemeClr val="dk1"/>
+            </a:lnRef>
+            <a:fillRef idx="0">
+              <a:schemeClr val="dk1"/>
+            </a:fillRef>
+            <a:effectRef idx="2">
+              <a:schemeClr val="dk1"/>
+            </a:effectRef>
+            <a:fontRef idx="minor">
+              <a:schemeClr val="tx1"/>
+            </a:fontRef>
+          </p:style>
+        </p:cxnSp>
+        <p:sp>
+          <p:nvSpPr>
+            <p:cNvPr id="127" name="CuadroTexto 126">
+              <a:extLst>
+                <a:ext uri="{FF2B5EF4-FFF2-40B4-BE49-F238E27FC236}">
+                  <a16:creationId xmlns:a16="http://schemas.microsoft.com/office/drawing/2014/main" id="{F9DB8972-70B4-4ADA-8A14-2AF3F79D3377}"/>
+                </a:ext>
+              </a:extLst>
+            </p:cNvPr>
+            <p:cNvSpPr txBox="1"/>
+            <p:nvPr/>
+          </p:nvSpPr>
+          <p:spPr>
+            <a:xfrm>
+              <a:off x="7609190" y="2784857"/>
+              <a:ext cx="1527613" cy="646331"/>
+            </a:xfrm>
+            <a:prstGeom prst="rect">
+              <a:avLst/>
+            </a:prstGeom>
+            <a:noFill/>
+          </p:spPr>
+          <p:txBody>
+            <a:bodyPr wrap="square" rtlCol="0">
+              <a:spAutoFit/>
+            </a:bodyPr>
+            <a:lstStyle/>
+            <a:p>
+              <a:pPr algn="ctr"/>
+              <a:r>
+                <a:rPr lang="es-ES" sz="1200" dirty="0" err="1"/>
+                <a:t>Unknow</a:t>
+              </a:r>
+              <a:r>
+                <a:rPr lang="es-ES" sz="1200" dirty="0"/>
+                <a:t> </a:t>
+              </a:r>
+              <a:r>
+                <a:rPr lang="es-ES" sz="1200" dirty="0" err="1"/>
+                <a:t>message</a:t>
+              </a:r>
+              <a:r>
+                <a:rPr lang="es-ES" sz="1200" dirty="0"/>
+                <a:t> </a:t>
+              </a:r>
+            </a:p>
+            <a:p>
+              <a:pPr algn="ctr"/>
+              <a:r>
+                <a:rPr lang="es-ES" sz="1200" dirty="0" err="1"/>
+                <a:t>or</a:t>
+              </a:r>
+              <a:r>
+                <a:rPr lang="es-ES" sz="1200" dirty="0"/>
+                <a:t> </a:t>
+              </a:r>
+            </a:p>
+            <a:p>
+              <a:pPr algn="ctr"/>
+              <a:r>
+                <a:rPr lang="es-ES" sz="1200" dirty="0" err="1"/>
+                <a:t>it’s</a:t>
+              </a:r>
+              <a:r>
+                <a:rPr lang="es-ES" sz="1200" dirty="0"/>
+                <a:t> </a:t>
+              </a:r>
+              <a:r>
+                <a:rPr lang="es-ES" sz="1200" dirty="0" err="1"/>
+                <a:t>not</a:t>
+              </a:r>
+              <a:r>
+                <a:rPr lang="es-ES" sz="1200" dirty="0"/>
+                <a:t> </a:t>
+              </a:r>
+              <a:r>
+                <a:rPr lang="es-ES" sz="1200" dirty="0" err="1"/>
+                <a:t>for</a:t>
+              </a:r>
+              <a:r>
+                <a:rPr lang="es-ES" sz="1200" dirty="0"/>
+                <a:t> me</a:t>
+              </a:r>
+            </a:p>
+          </p:txBody>
+        </p:sp>
+      </p:grpSp>
+      <p:grpSp>
+        <p:nvGrpSpPr>
+          <p:cNvPr id="57" name="Grupo 56">
+            <a:extLst>
+              <a:ext uri="{FF2B5EF4-FFF2-40B4-BE49-F238E27FC236}">
+                <a16:creationId xmlns:a16="http://schemas.microsoft.com/office/drawing/2014/main" id="{5C66CD0B-58D4-4825-B2D3-28E8B92C0310}"/>
+              </a:ext>
+            </a:extLst>
+          </p:cNvPr>
+          <p:cNvGrpSpPr/>
+          <p:nvPr/>
+        </p:nvGrpSpPr>
+        <p:grpSpPr>
+          <a:xfrm>
+            <a:off x="556800" y="2841829"/>
+            <a:ext cx="1714276" cy="646331"/>
+            <a:chOff x="556800" y="2841829"/>
+            <a:chExt cx="1714276" cy="646331"/>
+          </a:xfrm>
+        </p:grpSpPr>
+        <p:cxnSp>
+          <p:nvCxnSpPr>
+            <p:cNvPr id="125" name="Conector: curvado 124">
+              <a:extLst>
+                <a:ext uri="{FF2B5EF4-FFF2-40B4-BE49-F238E27FC236}">
+                  <a16:creationId xmlns:a16="http://schemas.microsoft.com/office/drawing/2014/main" id="{6E5A755D-DDB2-48C4-9C5A-72DB230527AE}"/>
+                </a:ext>
+              </a:extLst>
+            </p:cNvPr>
+            <p:cNvCxnSpPr>
+              <a:cxnSpLocks/>
+              <a:stCxn id="121" idx="3"/>
+              <a:endCxn id="121" idx="1"/>
+            </p:cNvCxnSpPr>
+            <p:nvPr/>
+          </p:nvCxnSpPr>
+          <p:spPr>
+            <a:xfrm rot="5400000" flipH="1">
+              <a:off x="2073556" y="3158645"/>
+              <a:ext cx="382340" cy="12700"/>
+            </a:xfrm>
+            <a:prstGeom prst="curvedConnector5">
+              <a:avLst>
+                <a:gd name="adj1" fmla="val -59790"/>
+                <a:gd name="adj2" fmla="val 5783787"/>
+                <a:gd name="adj3" fmla="val 159790"/>
+              </a:avLst>
+            </a:prstGeom>
+            <a:ln>
+              <a:tailEnd type="triangle"/>
+            </a:ln>
+          </p:spPr>
+          <p:style>
+            <a:lnRef idx="3">
+              <a:schemeClr val="dk1"/>
+            </a:lnRef>
+            <a:fillRef idx="0">
+              <a:schemeClr val="dk1"/>
+            </a:fillRef>
+            <a:effectRef idx="2">
+              <a:schemeClr val="dk1"/>
+            </a:effectRef>
+            <a:fontRef idx="minor">
+              <a:schemeClr val="tx1"/>
+            </a:fontRef>
+          </p:style>
+        </p:cxnSp>
+        <p:sp>
+          <p:nvSpPr>
+            <p:cNvPr id="150" name="CuadroTexto 149">
+              <a:extLst>
+                <a:ext uri="{FF2B5EF4-FFF2-40B4-BE49-F238E27FC236}">
+                  <a16:creationId xmlns:a16="http://schemas.microsoft.com/office/drawing/2014/main" id="{9EB5F3D2-33D0-46A6-A92E-F10D4C371D13}"/>
+                </a:ext>
+              </a:extLst>
+            </p:cNvPr>
+            <p:cNvSpPr txBox="1"/>
+            <p:nvPr/>
+          </p:nvSpPr>
+          <p:spPr>
+            <a:xfrm>
+              <a:off x="556800" y="2841829"/>
+              <a:ext cx="1028374" cy="646331"/>
+            </a:xfrm>
+            <a:prstGeom prst="rect">
+              <a:avLst/>
+            </a:prstGeom>
+            <a:noFill/>
+          </p:spPr>
+          <p:txBody>
+            <a:bodyPr wrap="square" rtlCol="0">
+              <a:spAutoFit/>
+            </a:bodyPr>
+            <a:lstStyle/>
+            <a:p>
+              <a:pPr algn="ctr"/>
+              <a:r>
+                <a:rPr lang="es-ES" sz="1200" dirty="0"/>
+                <a:t>No response </a:t>
+              </a:r>
+              <a:r>
+                <a:rPr lang="es-ES" sz="1200" dirty="0" err="1"/>
+                <a:t>from</a:t>
+              </a:r>
+              <a:r>
+                <a:rPr lang="es-ES" sz="1200" dirty="0"/>
+                <a:t> </a:t>
+              </a:r>
+              <a:r>
+                <a:rPr lang="es-ES" sz="1200" dirty="0" err="1"/>
+                <a:t>client</a:t>
+              </a:r>
+              <a:endParaRPr lang="es-ES" sz="1200" dirty="0"/>
+            </a:p>
+            <a:p>
+              <a:pPr algn="ctr"/>
+              <a:r>
+                <a:rPr lang="es-ES" sz="1200" dirty="0"/>
+                <a:t>(Time </a:t>
+              </a:r>
+              <a:r>
+                <a:rPr lang="es-ES" sz="1200" dirty="0" err="1"/>
+                <a:t>out</a:t>
+              </a:r>
+              <a:r>
+                <a:rPr lang="es-ES" sz="1200" dirty="0"/>
+                <a:t>)</a:t>
+              </a:r>
+            </a:p>
+          </p:txBody>
+        </p:sp>
+      </p:grpSp>
       <p:sp>
         <p:nvSpPr>
-          <p:cNvPr id="34" name="Elipse 33">
+          <p:cNvPr id="151" name="Elipse 150">
             <a:extLst>
               <a:ext uri="{FF2B5EF4-FFF2-40B4-BE49-F238E27FC236}">
-                <a16:creationId xmlns:a16="http://schemas.microsoft.com/office/drawing/2014/main" id="{94C5BB51-7A6E-4B79-BA01-93E397425811}"/>
+                <a16:creationId xmlns:a16="http://schemas.microsoft.com/office/drawing/2014/main" id="{92F32D9C-E271-4FA3-8775-4B562BBE0C38}"/>
               </a:ext>
             </a:extLst>
           </p:cNvPr>
@@ -23748,7 +22892,7 @@
         </p:nvSpPr>
         <p:spPr>
           <a:xfrm>
-            <a:off x="1711393" y="3092778"/>
+            <a:off x="2177920" y="4648454"/>
             <a:ext cx="592747" cy="540710"/>
           </a:xfrm>
           <a:prstGeom prst="ellipse">
@@ -23796,136 +22940,12 @@
           </a:p>
         </p:txBody>
       </p:sp>
-      <p:sp>
-        <p:nvSpPr>
-          <p:cNvPr id="63" name="Elipse 62">
+      <p:grpSp>
+        <p:nvGrpSpPr>
+          <p:cNvPr id="58" name="Grupo 57">
             <a:extLst>
               <a:ext uri="{FF2B5EF4-FFF2-40B4-BE49-F238E27FC236}">
-                <a16:creationId xmlns:a16="http://schemas.microsoft.com/office/drawing/2014/main" id="{DF5D2B5A-C78A-4C0D-9E7D-11D22BA54276}"/>
-              </a:ext>
-            </a:extLst>
-          </p:cNvPr>
-          <p:cNvSpPr/>
-          <p:nvPr/>
-        </p:nvSpPr>
-        <p:spPr>
-          <a:xfrm>
-            <a:off x="3997668" y="2427641"/>
-            <a:ext cx="592747" cy="540710"/>
-          </a:xfrm>
-          <a:prstGeom prst="ellipse">
-            <a:avLst/>
-          </a:prstGeom>
-          <a:solidFill>
-            <a:schemeClr val="bg1">
-              <a:lumMod val="50000"/>
-            </a:schemeClr>
-          </a:solidFill>
-          <a:ln>
-            <a:solidFill>
-              <a:schemeClr val="tx1">
-                <a:lumMod val="95000"/>
-                <a:lumOff val="5000"/>
-              </a:schemeClr>
-            </a:solidFill>
-          </a:ln>
-        </p:spPr>
-        <p:style>
-          <a:lnRef idx="2">
-            <a:schemeClr val="accent1">
-              <a:shade val="50000"/>
-            </a:schemeClr>
-          </a:lnRef>
-          <a:fillRef idx="1">
-            <a:schemeClr val="accent1"/>
-          </a:fillRef>
-          <a:effectRef idx="0">
-            <a:schemeClr val="accent1"/>
-          </a:effectRef>
-          <a:fontRef idx="minor">
-            <a:schemeClr val="lt1"/>
-          </a:fontRef>
-        </p:style>
-        <p:txBody>
-          <a:bodyPr rtlCol="0" anchor="ctr"/>
-          <a:lstStyle/>
-          <a:p>
-            <a:pPr algn="ctr"/>
-            <a:r>
-              <a:rPr lang="es-ES" dirty="0"/>
-              <a:t>0</a:t>
-            </a:r>
-          </a:p>
-        </p:txBody>
-      </p:sp>
-      <p:sp>
-        <p:nvSpPr>
-          <p:cNvPr id="31" name="Elipse 30">
-            <a:extLst>
-              <a:ext uri="{FF2B5EF4-FFF2-40B4-BE49-F238E27FC236}">
-                <a16:creationId xmlns:a16="http://schemas.microsoft.com/office/drawing/2014/main" id="{93DE1F38-D2DD-41ED-8F08-97F6AB7082ED}"/>
-              </a:ext>
-            </a:extLst>
-          </p:cNvPr>
-          <p:cNvSpPr/>
-          <p:nvPr/>
-        </p:nvSpPr>
-        <p:spPr>
-          <a:xfrm>
-            <a:off x="6422401" y="4354444"/>
-            <a:ext cx="592747" cy="540710"/>
-          </a:xfrm>
-          <a:prstGeom prst="ellipse">
-            <a:avLst/>
-          </a:prstGeom>
-          <a:solidFill>
-            <a:schemeClr val="bg1">
-              <a:lumMod val="50000"/>
-            </a:schemeClr>
-          </a:solidFill>
-          <a:ln>
-            <a:solidFill>
-              <a:schemeClr val="tx1">
-                <a:lumMod val="95000"/>
-                <a:lumOff val="5000"/>
-              </a:schemeClr>
-            </a:solidFill>
-          </a:ln>
-        </p:spPr>
-        <p:style>
-          <a:lnRef idx="2">
-            <a:schemeClr val="accent1">
-              <a:shade val="50000"/>
-            </a:schemeClr>
-          </a:lnRef>
-          <a:fillRef idx="1">
-            <a:schemeClr val="accent1"/>
-          </a:fillRef>
-          <a:effectRef idx="0">
-            <a:schemeClr val="accent1"/>
-          </a:effectRef>
-          <a:fontRef idx="minor">
-            <a:schemeClr val="lt1"/>
-          </a:fontRef>
-        </p:style>
-        <p:txBody>
-          <a:bodyPr rtlCol="0" anchor="ctr"/>
-          <a:lstStyle/>
-          <a:p>
-            <a:pPr algn="ctr"/>
-            <a:r>
-              <a:rPr lang="es-ES" dirty="0"/>
-              <a:t>2</a:t>
-            </a:r>
-          </a:p>
-        </p:txBody>
-      </p:sp>
-      <p:grpSp>
-        <p:nvGrpSpPr>
-          <p:cNvPr id="149" name="Grupo 148">
-            <a:extLst>
-              <a:ext uri="{FF2B5EF4-FFF2-40B4-BE49-F238E27FC236}">
-                <a16:creationId xmlns:a16="http://schemas.microsoft.com/office/drawing/2014/main" id="{7C0901E4-AB18-4C4E-9CF6-827E6E4D1E92}"/>
+                <a16:creationId xmlns:a16="http://schemas.microsoft.com/office/drawing/2014/main" id="{CFA03C99-6715-4957-A709-DF5CDBC433E9}"/>
               </a:ext>
             </a:extLst>
           </p:cNvPr>
@@ -23934,35 +22954,37 @@
         </p:nvGrpSpPr>
         <p:grpSpPr>
           <a:xfrm>
-            <a:off x="879649" y="3633487"/>
-            <a:ext cx="1525445" cy="866123"/>
-            <a:chOff x="879649" y="3633487"/>
-            <a:chExt cx="1525445" cy="866123"/>
+            <a:off x="1096495" y="3435350"/>
+            <a:ext cx="1466470" cy="1219454"/>
+            <a:chOff x="1096495" y="3435350"/>
+            <a:chExt cx="1466470" cy="1219454"/>
           </a:xfrm>
         </p:grpSpPr>
         <p:cxnSp>
           <p:nvCxnSpPr>
-            <p:cNvPr id="120" name="Conector: curvado 119">
+            <p:cNvPr id="152" name="Conector: curvado 151">
               <a:extLst>
                 <a:ext uri="{FF2B5EF4-FFF2-40B4-BE49-F238E27FC236}">
-                  <a16:creationId xmlns:a16="http://schemas.microsoft.com/office/drawing/2014/main" id="{757148F1-DE93-4B66-986A-D7D3B4D168D9}"/>
+                  <a16:creationId xmlns:a16="http://schemas.microsoft.com/office/drawing/2014/main" id="{C24B3E28-49FB-4CA4-B62C-09BFD304DA86}"/>
                 </a:ext>
               </a:extLst>
             </p:cNvPr>
             <p:cNvCxnSpPr>
               <a:cxnSpLocks/>
-              <a:stCxn id="34" idx="4"/>
-              <a:endCxn id="33" idx="2"/>
+              <a:stCxn id="121" idx="4"/>
+              <a:endCxn id="151" idx="0"/>
             </p:cNvCxnSpPr>
             <p:nvPr/>
           </p:nvCxnSpPr>
           <p:spPr>
-            <a:xfrm rot="16200000" flipH="1">
-              <a:off x="1773369" y="3867885"/>
-              <a:ext cx="866123" cy="397327"/>
+            <a:xfrm rot="5400000">
+              <a:off x="1864567" y="4038727"/>
+              <a:ext cx="1219454" cy="12700"/>
             </a:xfrm>
-            <a:prstGeom prst="curvedConnector2">
-              <a:avLst/>
+            <a:prstGeom prst="curvedConnector3">
+              <a:avLst>
+                <a:gd name="adj1" fmla="val 50000"/>
+              </a:avLst>
             </a:prstGeom>
             <a:ln>
               <a:tailEnd type="triangle"/>
@@ -23985,10 +23007,10 @@
         </p:cxnSp>
         <p:sp>
           <p:nvSpPr>
-            <p:cNvPr id="148" name="CuadroTexto 147">
+            <p:cNvPr id="153" name="CuadroTexto 152">
               <a:extLst>
                 <a:ext uri="{FF2B5EF4-FFF2-40B4-BE49-F238E27FC236}">
-                  <a16:creationId xmlns:a16="http://schemas.microsoft.com/office/drawing/2014/main" id="{70B0BC8F-7FFE-4B5A-9053-27FEA359BCB8}"/>
+                  <a16:creationId xmlns:a16="http://schemas.microsoft.com/office/drawing/2014/main" id="{ED427C6E-2835-48A3-AD20-1B8D898F87B7}"/>
                 </a:ext>
               </a:extLst>
             </p:cNvPr>
@@ -23997,8 +23019,8 @@
           </p:nvSpPr>
           <p:spPr>
             <a:xfrm>
-              <a:off x="879649" y="4111435"/>
-              <a:ext cx="1260042" cy="276999"/>
+              <a:off x="1096495" y="3876911"/>
+              <a:ext cx="1466470" cy="461665"/>
             </a:xfrm>
             <a:prstGeom prst="rect">
               <a:avLst/>
@@ -24011,9 +23033,14 @@
             </a:bodyPr>
             <a:lstStyle/>
             <a:p>
+              <a:pPr algn="ctr"/>
+              <a:r>
+                <a:rPr lang="es-ES" sz="1200" dirty="0"/>
+                <a:t>Client </a:t>
+              </a:r>
               <a:r>
                 <a:rPr lang="es-ES" sz="1200" dirty="0" err="1"/>
-                <a:t>Saved</a:t>
+                <a:t>answered</a:t>
               </a:r>
               <a:r>
                 <a:rPr lang="es-ES" sz="1200" dirty="0"/>
@@ -24021,7 +23048,110 @@
               </a:r>
               <a:r>
                 <a:rPr lang="es-ES" sz="1200" dirty="0" err="1"/>
-                <a:t>all</a:t>
+                <a:t>successfully</a:t>
+              </a:r>
+              <a:endParaRPr lang="es-ES" sz="1200" dirty="0"/>
+            </a:p>
+          </p:txBody>
+        </p:sp>
+      </p:grpSp>
+      <p:grpSp>
+        <p:nvGrpSpPr>
+          <p:cNvPr id="59" name="Grupo 58">
+            <a:extLst>
+              <a:ext uri="{FF2B5EF4-FFF2-40B4-BE49-F238E27FC236}">
+                <a16:creationId xmlns:a16="http://schemas.microsoft.com/office/drawing/2014/main" id="{42F6FFF9-36C6-48DC-8DEC-DF7E517CFE9A}"/>
+              </a:ext>
+            </a:extLst>
+          </p:cNvPr>
+          <p:cNvGrpSpPr/>
+          <p:nvPr/>
+        </p:nvGrpSpPr>
+        <p:grpSpPr>
+          <a:xfrm>
+            <a:off x="2770667" y="3158645"/>
+            <a:ext cx="1633517" cy="1760164"/>
+            <a:chOff x="2770667" y="3158645"/>
+            <a:chExt cx="1633517" cy="1760164"/>
+          </a:xfrm>
+        </p:grpSpPr>
+        <p:cxnSp>
+          <p:nvCxnSpPr>
+            <p:cNvPr id="154" name="Conector: curvado 153">
+              <a:extLst>
+                <a:ext uri="{FF2B5EF4-FFF2-40B4-BE49-F238E27FC236}">
+                  <a16:creationId xmlns:a16="http://schemas.microsoft.com/office/drawing/2014/main" id="{495724F5-3488-44F4-93CC-3805A6030765}"/>
+                </a:ext>
+              </a:extLst>
+            </p:cNvPr>
+            <p:cNvCxnSpPr>
+              <a:cxnSpLocks/>
+              <a:stCxn id="151" idx="6"/>
+              <a:endCxn id="121" idx="6"/>
+            </p:cNvCxnSpPr>
+            <p:nvPr/>
+          </p:nvCxnSpPr>
+          <p:spPr>
+            <a:xfrm flipV="1">
+              <a:off x="2770667" y="3158645"/>
+              <a:ext cx="12700" cy="1760164"/>
+            </a:xfrm>
+            <a:prstGeom prst="curvedConnector3">
+              <a:avLst>
+                <a:gd name="adj1" fmla="val 1800000"/>
+              </a:avLst>
+            </a:prstGeom>
+            <a:ln>
+              <a:tailEnd type="triangle"/>
+            </a:ln>
+          </p:spPr>
+          <p:style>
+            <a:lnRef idx="3">
+              <a:schemeClr val="dk1"/>
+            </a:lnRef>
+            <a:fillRef idx="0">
+              <a:schemeClr val="dk1"/>
+            </a:fillRef>
+            <a:effectRef idx="2">
+              <a:schemeClr val="dk1"/>
+            </a:effectRef>
+            <a:fontRef idx="minor">
+              <a:schemeClr val="tx1"/>
+            </a:fontRef>
+          </p:style>
+        </p:cxnSp>
+        <p:sp>
+          <p:nvSpPr>
+            <p:cNvPr id="155" name="CuadroTexto 154">
+              <a:extLst>
+                <a:ext uri="{FF2B5EF4-FFF2-40B4-BE49-F238E27FC236}">
+                  <a16:creationId xmlns:a16="http://schemas.microsoft.com/office/drawing/2014/main" id="{8CCFA09E-97F8-4773-BBAD-C7DB0DE66D76}"/>
+                </a:ext>
+              </a:extLst>
+            </p:cNvPr>
+            <p:cNvSpPr txBox="1"/>
+            <p:nvPr/>
+          </p:nvSpPr>
+          <p:spPr>
+            <a:xfrm>
+              <a:off x="2937714" y="3814536"/>
+              <a:ext cx="1466470" cy="276999"/>
+            </a:xfrm>
+            <a:prstGeom prst="rect">
+              <a:avLst/>
+            </a:prstGeom>
+            <a:noFill/>
+          </p:spPr>
+          <p:txBody>
+            <a:bodyPr wrap="square" rtlCol="0">
+              <a:spAutoFit/>
+            </a:bodyPr>
+            <a:lstStyle/>
+            <a:p>
+              <a:pPr algn="ctr"/>
+              <a:r>
+                <a:rPr lang="es-ES" sz="1200" dirty="0" err="1"/>
+                <a:t>Print</a:t>
               </a:r>
               <a:r>
                 <a:rPr lang="es-ES" sz="1200" dirty="0"/>
@@ -24029,7 +23159,15 @@
               </a:r>
               <a:r>
                 <a:rPr lang="es-ES" sz="1200" dirty="0" err="1"/>
-                <a:t>slaves</a:t>
+                <a:t>the</a:t>
+              </a:r>
+              <a:r>
+                <a:rPr lang="es-ES" sz="1200" dirty="0"/>
+                <a:t> </a:t>
+              </a:r>
+              <a:r>
+                <a:rPr lang="es-ES" sz="1200" dirty="0" err="1"/>
+                <a:t>answer</a:t>
               </a:r>
               <a:endParaRPr lang="es-ES" sz="1200" dirty="0"/>
             </a:p>
@@ -24083,7 +23221,7 @@
                                           </p:stCondLst>
                                         </p:cTn>
                                         <p:tgtEl>
-                                          <p:spTgt spid="63"/>
+                                          <p:spTgt spid="73"/>
                                         </p:tgtEl>
                                         <p:attrNameLst>
                                           <p:attrName>style.visibility</p:attrName>
@@ -24097,95 +23235,7 @@
                                       <p:cBhvr>
                                         <p:cTn id="7" dur="500"/>
                                         <p:tgtEl>
-                                          <p:spTgt spid="63"/>
-                                        </p:tgtEl>
-                                      </p:cBhvr>
-                                    </p:animEffect>
-                                  </p:childTnLst>
-                                </p:cTn>
-                              </p:par>
-                            </p:childTnLst>
-                          </p:cTn>
-                        </p:par>
-                        <p:par>
-                          <p:cTn id="8" fill="hold">
-                            <p:stCondLst>
-                              <p:cond delay="500"/>
-                            </p:stCondLst>
-                            <p:childTnLst>
-                              <p:par>
-                                <p:cTn id="9" presetID="10" presetClass="entr" presetSubtype="0" fill="hold" nodeType="afterEffect">
-                                  <p:stCondLst>
-                                    <p:cond delay="0"/>
-                                  </p:stCondLst>
-                                  <p:childTnLst>
-                                    <p:set>
-                                      <p:cBhvr>
-                                        <p:cTn id="10" dur="1" fill="hold">
-                                          <p:stCondLst>
-                                            <p:cond delay="0"/>
-                                          </p:stCondLst>
-                                        </p:cTn>
-                                        <p:tgtEl>
-                                          <p:spTgt spid="136"/>
-                                        </p:tgtEl>
-                                        <p:attrNameLst>
-                                          <p:attrName>style.visibility</p:attrName>
-                                        </p:attrNameLst>
-                                      </p:cBhvr>
-                                      <p:to>
-                                        <p:strVal val="visible"/>
-                                      </p:to>
-                                    </p:set>
-                                    <p:animEffect transition="in" filter="fade">
-                                      <p:cBhvr>
-                                        <p:cTn id="11" dur="500"/>
-                                        <p:tgtEl>
-                                          <p:spTgt spid="136"/>
-                                        </p:tgtEl>
-                                      </p:cBhvr>
-                                    </p:animEffect>
-                                  </p:childTnLst>
-                                </p:cTn>
-                              </p:par>
-                            </p:childTnLst>
-                          </p:cTn>
-                        </p:par>
-                        <p:par>
-                          <p:cTn id="12" fill="hold">
-                            <p:stCondLst>
-                              <p:cond delay="1000"/>
-                            </p:stCondLst>
-                            <p:childTnLst>
-                              <p:par>
-                                <p:cTn id="13" presetID="10" presetClass="entr" presetSubtype="0" fill="hold" nodeType="afterEffect">
-                                  <p:stCondLst>
-                                    <p:cond delay="0"/>
-                                  </p:stCondLst>
-                                  <p:childTnLst>
-                                    <p:set>
-                                      <p:cBhvr>
-                                        <p:cTn id="14" dur="1" fill="hold">
-                                          <p:stCondLst>
-                                            <p:cond delay="0"/>
-                                          </p:stCondLst>
-                                        </p:cTn>
-                                        <p:tgtEl>
-                                          <p:spTgt spid="137"/>
-                                        </p:tgtEl>
-                                        <p:attrNameLst>
-                                          <p:attrName>style.visibility</p:attrName>
-                                        </p:attrNameLst>
-                                      </p:cBhvr>
-                                      <p:to>
-                                        <p:strVal val="visible"/>
-                                      </p:to>
-                                    </p:set>
-                                    <p:animEffect transition="in" filter="fade">
-                                      <p:cBhvr>
-                                        <p:cTn id="15" dur="500"/>
-                                        <p:tgtEl>
-                                          <p:spTgt spid="137"/>
+                                          <p:spTgt spid="73"/>
                                         </p:tgtEl>
                                       </p:cBhvr>
                                     </p:animEffect>
@@ -24199,32 +23249,67 @@
                     </p:cTn>
                   </p:par>
                   <p:par>
-                    <p:cTn id="16" fill="hold">
+                    <p:cTn id="8" fill="hold">
                       <p:stCondLst>
                         <p:cond delay="indefinite"/>
                       </p:stCondLst>
                       <p:childTnLst>
                         <p:par>
-                          <p:cTn id="17" fill="hold">
+                          <p:cTn id="9" fill="hold">
                             <p:stCondLst>
                               <p:cond delay="0"/>
                             </p:stCondLst>
                             <p:childTnLst>
                               <p:par>
-                                <p:cTn id="18" presetID="22" presetClass="entr" presetSubtype="8" fill="hold" nodeType="clickEffect">
+                                <p:cTn id="10" presetID="22" presetClass="entr" presetSubtype="2" fill="hold" nodeType="clickEffect">
                                   <p:stCondLst>
                                     <p:cond delay="0"/>
                                   </p:stCondLst>
                                   <p:childTnLst>
                                     <p:set>
                                       <p:cBhvr>
-                                        <p:cTn id="19" dur="1" fill="hold">
+                                        <p:cTn id="11" dur="1" fill="hold">
                                           <p:stCondLst>
                                             <p:cond delay="0"/>
                                           </p:stCondLst>
                                         </p:cTn>
                                         <p:tgtEl>
-                                          <p:spTgt spid="134"/>
+                                          <p:spTgt spid="55"/>
+                                        </p:tgtEl>
+                                        <p:attrNameLst>
+                                          <p:attrName>style.visibility</p:attrName>
+                                        </p:attrNameLst>
+                                      </p:cBhvr>
+                                      <p:to>
+                                        <p:strVal val="visible"/>
+                                      </p:to>
+                                    </p:set>
+                                    <p:animEffect transition="in" filter="wipe(right)">
+                                      <p:cBhvr>
+                                        <p:cTn id="12" dur="500"/>
+                                        <p:tgtEl>
+                                          <p:spTgt spid="55"/>
+                                        </p:tgtEl>
+                                      </p:cBhvr>
+                                    </p:animEffect>
+                                  </p:childTnLst>
+                                </p:cTn>
+                              </p:par>
+                              <p:par>
+                                <p:cTn id="13" presetID="22" presetClass="entr" presetSubtype="8" fill="hold" nodeType="withEffect">
+                                  <p:stCondLst>
+                                    <p:cond delay="0"/>
+                                  </p:stCondLst>
+                                  <p:childTnLst>
+                                    <p:set>
+                                      <p:cBhvr>
+                                        <p:cTn id="14" dur="1" fill="hold">
+                                          <p:stCondLst>
+                                            <p:cond delay="0"/>
+                                          </p:stCondLst>
+                                        </p:cTn>
+                                        <p:tgtEl>
+                                          <p:spTgt spid="54"/>
                                         </p:tgtEl>
                                         <p:attrNameLst>
                                           <p:attrName>style.visibility</p:attrName>
@@ -24236,9 +23321,9 @@
                                     </p:set>
                                     <p:animEffect transition="in" filter="wipe(left)">
                                       <p:cBhvr>
-                                        <p:cTn id="20" dur="500"/>
-                                        <p:tgtEl>
-                                          <p:spTgt spid="134"/>
+                                        <p:cTn id="15" dur="500"/>
+                                        <p:tgtEl>
+                                          <p:spTgt spid="54"/>
                                         </p:tgtEl>
                                       </p:cBhvr>
                                     </p:animEffect>
@@ -24249,26 +23334,26 @@
                           </p:cTn>
                         </p:par>
                         <p:par>
-                          <p:cTn id="21" fill="hold">
+                          <p:cTn id="16" fill="hold">
                             <p:stCondLst>
                               <p:cond delay="500"/>
                             </p:stCondLst>
                             <p:childTnLst>
                               <p:par>
-                                <p:cTn id="22" presetID="10" presetClass="entr" presetSubtype="0" fill="hold" grpId="0" nodeType="afterEffect">
+                                <p:cTn id="17" presetID="10" presetClass="entr" presetSubtype="0" fill="hold" nodeType="afterEffect">
                                   <p:stCondLst>
                                     <p:cond delay="0"/>
                                   </p:stCondLst>
                                   <p:childTnLst>
                                     <p:set>
                                       <p:cBhvr>
-                                        <p:cTn id="23" dur="1" fill="hold">
+                                        <p:cTn id="18" dur="1" fill="hold">
                                           <p:stCondLst>
                                             <p:cond delay="0"/>
                                           </p:stCondLst>
                                         </p:cTn>
                                         <p:tgtEl>
-                                          <p:spTgt spid="29"/>
+                                          <p:spTgt spid="56"/>
                                         </p:tgtEl>
                                         <p:attrNameLst>
                                           <p:attrName>style.visibility</p:attrName>
@@ -24280,39 +23365,30 @@
                                     </p:set>
                                     <p:animEffect transition="in" filter="fade">
                                       <p:cBhvr>
-                                        <p:cTn id="24" dur="500"/>
-                                        <p:tgtEl>
-                                          <p:spTgt spid="29"/>
+                                        <p:cTn id="19" dur="500"/>
+                                        <p:tgtEl>
+                                          <p:spTgt spid="56"/>
                                         </p:tgtEl>
                                       </p:cBhvr>
                                     </p:animEffect>
                                   </p:childTnLst>
                                 </p:cTn>
                               </p:par>
-                            </p:childTnLst>
-                          </p:cTn>
-                        </p:par>
-                        <p:par>
-                          <p:cTn id="25" fill="hold">
-                            <p:stCondLst>
-                              <p:cond delay="1000"/>
-                            </p:stCondLst>
-                            <p:childTnLst>
                               <p:par>
-                                <p:cTn id="26" presetID="10" presetClass="entr" presetSubtype="0" fill="hold" nodeType="afterEffect">
+                                <p:cTn id="20" presetID="10" presetClass="entr" presetSubtype="0" fill="hold" nodeType="withEffect">
                                   <p:stCondLst>
                                     <p:cond delay="0"/>
                                   </p:stCondLst>
                                   <p:childTnLst>
                                     <p:set>
                                       <p:cBhvr>
-                                        <p:cTn id="27" dur="1" fill="hold">
+                                        <p:cTn id="21" dur="1" fill="hold">
                                           <p:stCondLst>
                                             <p:cond delay="0"/>
                                           </p:stCondLst>
                                         </p:cTn>
                                         <p:tgtEl>
-                                          <p:spTgt spid="140"/>
+                                          <p:spTgt spid="61"/>
                                         </p:tgtEl>
                                         <p:attrNameLst>
                                           <p:attrName>style.visibility</p:attrName>
@@ -24324,53 +23400,9 @@
                                     </p:set>
                                     <p:animEffect transition="in" filter="fade">
                                       <p:cBhvr>
-                                        <p:cTn id="28" dur="500"/>
-                                        <p:tgtEl>
-                                          <p:spTgt spid="140"/>
-                                        </p:tgtEl>
-                                      </p:cBhvr>
-                                    </p:animEffect>
-                                  </p:childTnLst>
-                                </p:cTn>
-                              </p:par>
-                            </p:childTnLst>
-                          </p:cTn>
-                        </p:par>
-                        <p:par>
-                          <p:cTn id="29" fill="hold">
-                            <p:stCondLst>
-                              <p:cond delay="1500"/>
-                            </p:stCondLst>
-                            <p:childTnLst>
-                              <p:par>
-                                <p:cTn id="30" presetID="22" presetClass="entr" presetSubtype="2" fill="hold" nodeType="afterEffect">
-                                  <p:stCondLst>
-                                    <p:cond delay="0"/>
-                                  </p:stCondLst>
-                                  <p:childTnLst>
-                                    <p:set>
-                                      <p:cBhvr>
-                                        <p:cTn id="31" dur="1" fill="hold">
-                                          <p:stCondLst>
-                                            <p:cond delay="0"/>
-                                          </p:stCondLst>
-                                        </p:cTn>
-                                        <p:tgtEl>
-                                          <p:spTgt spid="135"/>
-                                        </p:tgtEl>
-                                        <p:attrNameLst>
-                                          <p:attrName>style.visibility</p:attrName>
-                                        </p:attrNameLst>
-                                      </p:cBhvr>
-                                      <p:to>
-                                        <p:strVal val="visible"/>
-                                      </p:to>
-                                    </p:set>
-                                    <p:animEffect transition="in" filter="wipe(right)">
-                                      <p:cBhvr>
-                                        <p:cTn id="32" dur="500"/>
-                                        <p:tgtEl>
-                                          <p:spTgt spid="135"/>
+                                        <p:cTn id="22" dur="500"/>
+                                        <p:tgtEl>
+                                          <p:spTgt spid="61"/>
                                         </p:tgtEl>
                                       </p:cBhvr>
                                     </p:animEffect>
@@ -24384,32 +23416,32 @@
                     </p:cTn>
                   </p:par>
                   <p:par>
-                    <p:cTn id="33" fill="hold">
+                    <p:cTn id="23" fill="hold">
                       <p:stCondLst>
                         <p:cond delay="indefinite"/>
                       </p:stCondLst>
                       <p:childTnLst>
                         <p:par>
-                          <p:cTn id="34" fill="hold">
+                          <p:cTn id="24" fill="hold">
                             <p:stCondLst>
                               <p:cond delay="0"/>
                             </p:stCondLst>
                             <p:childTnLst>
                               <p:par>
-                                <p:cTn id="35" presetID="22" presetClass="entr" presetSubtype="1" fill="hold" nodeType="clickEffect">
+                                <p:cTn id="25" presetID="22" presetClass="entr" presetSubtype="1" fill="hold" nodeType="clickEffect">
                                   <p:stCondLst>
                                     <p:cond delay="0"/>
                                   </p:stCondLst>
                                   <p:childTnLst>
                                     <p:set>
                                       <p:cBhvr>
-                                        <p:cTn id="36" dur="1" fill="hold">
+                                        <p:cTn id="26" dur="1" fill="hold">
                                           <p:stCondLst>
                                             <p:cond delay="0"/>
                                           </p:stCondLst>
                                         </p:cTn>
                                         <p:tgtEl>
-                                          <p:spTgt spid="142"/>
+                                          <p:spTgt spid="72"/>
                                         </p:tgtEl>
                                         <p:attrNameLst>
                                           <p:attrName>style.visibility</p:attrName>
@@ -24421,9 +23453,9 @@
                                     </p:set>
                                     <p:animEffect transition="in" filter="wipe(up)">
                                       <p:cBhvr>
-                                        <p:cTn id="37" dur="500"/>
-                                        <p:tgtEl>
-                                          <p:spTgt spid="142"/>
+                                        <p:cTn id="27" dur="500"/>
+                                        <p:tgtEl>
+                                          <p:spTgt spid="72"/>
                                         </p:tgtEl>
                                       </p:cBhvr>
                                     </p:animEffect>
@@ -24434,26 +23466,26 @@
                           </p:cTn>
                         </p:par>
                         <p:par>
-                          <p:cTn id="38" fill="hold">
+                          <p:cTn id="28" fill="hold">
                             <p:stCondLst>
                               <p:cond delay="500"/>
                             </p:stCondLst>
                             <p:childTnLst>
                               <p:par>
-                                <p:cTn id="39" presetID="10" presetClass="entr" presetSubtype="0" fill="hold" grpId="0" nodeType="afterEffect">
+                                <p:cTn id="29" presetID="10" presetClass="entr" presetSubtype="0" fill="hold" grpId="0" nodeType="afterEffect">
                                   <p:stCondLst>
                                     <p:cond delay="0"/>
                                   </p:stCondLst>
                                   <p:childTnLst>
                                     <p:set>
                                       <p:cBhvr>
-                                        <p:cTn id="40" dur="1" fill="hold">
+                                        <p:cTn id="30" dur="1" fill="hold">
                                           <p:stCondLst>
                                             <p:cond delay="0"/>
                                           </p:stCondLst>
                                         </p:cTn>
                                         <p:tgtEl>
-                                          <p:spTgt spid="31"/>
+                                          <p:spTgt spid="79"/>
                                         </p:tgtEl>
                                         <p:attrNameLst>
                                           <p:attrName>style.visibility</p:attrName>
@@ -24465,9 +23497,9 @@
                                     </p:set>
                                     <p:animEffect transition="in" filter="fade">
                                       <p:cBhvr>
-                                        <p:cTn id="41" dur="500"/>
-                                        <p:tgtEl>
-                                          <p:spTgt spid="31"/>
+                                        <p:cTn id="31" dur="500"/>
+                                        <p:tgtEl>
+                                          <p:spTgt spid="79"/>
                                         </p:tgtEl>
                                       </p:cBhvr>
                                     </p:animEffect>
@@ -24478,26 +23510,26 @@
                           </p:cTn>
                         </p:par>
                         <p:par>
-                          <p:cTn id="42" fill="hold">
+                          <p:cTn id="32" fill="hold">
                             <p:stCondLst>
                               <p:cond delay="1000"/>
                             </p:stCondLst>
                             <p:childTnLst>
                               <p:par>
-                                <p:cTn id="43" presetID="10" presetClass="entr" presetSubtype="0" fill="hold" nodeType="afterEffect">
+                                <p:cTn id="33" presetID="22" presetClass="entr" presetSubtype="4" fill="hold" nodeType="afterEffect">
                                   <p:stCondLst>
-                                    <p:cond delay="0"/>
+                                    <p:cond delay="1400"/>
                                   </p:stCondLst>
                                   <p:childTnLst>
                                     <p:set>
                                       <p:cBhvr>
-                                        <p:cTn id="44" dur="1" fill="hold">
+                                        <p:cTn id="34" dur="1" fill="hold">
                                           <p:stCondLst>
                                             <p:cond delay="0"/>
                                           </p:stCondLst>
                                         </p:cTn>
                                         <p:tgtEl>
-                                          <p:spTgt spid="141"/>
+                                          <p:spTgt spid="60"/>
                                         </p:tgtEl>
                                         <p:attrNameLst>
                                           <p:attrName>style.visibility</p:attrName>
@@ -24507,11 +23539,11 @@
                                         <p:strVal val="visible"/>
                                       </p:to>
                                     </p:set>
-                                    <p:animEffect transition="in" filter="fade">
-                                      <p:cBhvr>
-                                        <p:cTn id="45" dur="500"/>
-                                        <p:tgtEl>
-                                          <p:spTgt spid="141"/>
+                                    <p:animEffect transition="in" filter="wipe(down)">
+                                      <p:cBhvr>
+                                        <p:cTn id="35" dur="500"/>
+                                        <p:tgtEl>
+                                          <p:spTgt spid="60"/>
                                         </p:tgtEl>
                                       </p:cBhvr>
                                     </p:animEffect>
@@ -24525,32 +23557,32 @@
                     </p:cTn>
                   </p:par>
                   <p:par>
-                    <p:cTn id="46" fill="hold">
+                    <p:cTn id="36" fill="hold">
                       <p:stCondLst>
                         <p:cond delay="indefinite"/>
                       </p:stCondLst>
                       <p:childTnLst>
                         <p:par>
-                          <p:cTn id="47" fill="hold">
+                          <p:cTn id="37" fill="hold">
                             <p:stCondLst>
                               <p:cond delay="0"/>
                             </p:stCondLst>
                             <p:childTnLst>
                               <p:par>
-                                <p:cTn id="48" presetID="22" presetClass="entr" presetSubtype="4" fill="hold" nodeType="clickEffect">
+                                <p:cTn id="38" presetID="22" presetClass="entr" presetSubtype="1" fill="hold" nodeType="clickEffect">
                                   <p:stCondLst>
                                     <p:cond delay="0"/>
                                   </p:stCondLst>
                                   <p:childTnLst>
                                     <p:set>
                                       <p:cBhvr>
-                                        <p:cTn id="49" dur="1" fill="hold">
+                                        <p:cTn id="39" dur="1" fill="hold">
                                           <p:stCondLst>
                                             <p:cond delay="0"/>
                                           </p:stCondLst>
                                         </p:cTn>
                                         <p:tgtEl>
-                                          <p:spTgt spid="143"/>
+                                          <p:spTgt spid="58"/>
                                         </p:tgtEl>
                                         <p:attrNameLst>
                                           <p:attrName>style.visibility</p:attrName>
@@ -24560,11 +23592,11 @@
                                         <p:strVal val="visible"/>
                                       </p:to>
                                     </p:set>
-                                    <p:animEffect transition="in" filter="wipe(down)">
-                                      <p:cBhvr>
-                                        <p:cTn id="50" dur="500"/>
-                                        <p:tgtEl>
-                                          <p:spTgt spid="143"/>
+                                    <p:animEffect transition="in" filter="wipe(up)">
+                                      <p:cBhvr>
+                                        <p:cTn id="40" dur="500"/>
+                                        <p:tgtEl>
+                                          <p:spTgt spid="58"/>
                                         </p:tgtEl>
                                       </p:cBhvr>
                                     </p:animEffect>
@@ -24575,26 +23607,26 @@
                           </p:cTn>
                         </p:par>
                         <p:par>
-                          <p:cTn id="51" fill="hold">
+                          <p:cTn id="41" fill="hold">
                             <p:stCondLst>
                               <p:cond delay="500"/>
                             </p:stCondLst>
                             <p:childTnLst>
                               <p:par>
-                                <p:cTn id="52" presetID="10" presetClass="entr" presetSubtype="0" fill="hold" grpId="0" nodeType="afterEffect">
+                                <p:cTn id="42" presetID="10" presetClass="entr" presetSubtype="0" fill="hold" grpId="0" nodeType="afterEffect">
                                   <p:stCondLst>
                                     <p:cond delay="0"/>
                                   </p:stCondLst>
                                   <p:childTnLst>
                                     <p:set>
                                       <p:cBhvr>
-                                        <p:cTn id="53" dur="1" fill="hold">
+                                        <p:cTn id="43" dur="1" fill="hold">
                                           <p:stCondLst>
                                             <p:cond delay="0"/>
                                           </p:stCondLst>
                                         </p:cTn>
                                         <p:tgtEl>
-                                          <p:spTgt spid="21"/>
+                                          <p:spTgt spid="151"/>
                                         </p:tgtEl>
                                         <p:attrNameLst>
                                           <p:attrName>style.visibility</p:attrName>
@@ -24606,62 +23638,9 @@
                                     </p:set>
                                     <p:animEffect transition="in" filter="fade">
                                       <p:cBhvr>
-                                        <p:cTn id="54" dur="500"/>
-                                        <p:tgtEl>
-                                          <p:spTgt spid="21"/>
-                                        </p:tgtEl>
-                                      </p:cBhvr>
-                                    </p:animEffect>
-                                  </p:childTnLst>
-                                </p:cTn>
-                              </p:par>
-                            </p:childTnLst>
-                          </p:cTn>
-                        </p:par>
-                      </p:childTnLst>
-                    </p:cTn>
-                  </p:par>
-                  <p:par>
-                    <p:cTn id="55" fill="hold">
-                      <p:stCondLst>
-                        <p:cond delay="indefinite"/>
-                      </p:stCondLst>
-                      <p:childTnLst>
-                        <p:par>
-                          <p:cTn id="56" fill="hold">
-                            <p:stCondLst>
-                              <p:cond delay="0"/>
-                            </p:stCondLst>
-                            <p:childTnLst>
-                              <p:par>
-                                <p:cTn id="57" presetID="10" presetClass="entr" presetSubtype="0" fill="hold" nodeType="clickEffect">
-                                  <p:stCondLst>
-                                    <p:cond delay="0"/>
-                                  </p:stCondLst>
-                                  <p:childTnLst>
-                                    <p:set>
-                                      <p:cBhvr>
-                                        <p:cTn id="58" dur="1" fill="hold">
-                                          <p:stCondLst>
-                                            <p:cond delay="0"/>
-                                          </p:stCondLst>
-                                        </p:cTn>
-                                        <p:tgtEl>
-                                          <p:spTgt spid="138"/>
-                                        </p:tgtEl>
-                                        <p:attrNameLst>
-                                          <p:attrName>style.visibility</p:attrName>
-                                        </p:attrNameLst>
-                                      </p:cBhvr>
-                                      <p:to>
-                                        <p:strVal val="visible"/>
-                                      </p:to>
-                                    </p:set>
-                                    <p:animEffect transition="in" filter="fade">
-                                      <p:cBhvr>
-                                        <p:cTn id="59" dur="500"/>
-                                        <p:tgtEl>
-                                          <p:spTgt spid="138"/>
+                                        <p:cTn id="44" dur="500"/>
+                                        <p:tgtEl>
+                                          <p:spTgt spid="151"/>
                                         </p:tgtEl>
                                       </p:cBhvr>
                                     </p:animEffect>
@@ -24672,26 +23651,26 @@
                           </p:cTn>
                         </p:par>
                         <p:par>
-                          <p:cTn id="60" fill="hold">
+                          <p:cTn id="45" fill="hold">
                             <p:stCondLst>
-                              <p:cond delay="500"/>
+                              <p:cond delay="1000"/>
                             </p:stCondLst>
                             <p:childTnLst>
                               <p:par>
-                                <p:cTn id="61" presetID="22" presetClass="entr" presetSubtype="2" fill="hold" nodeType="afterEffect">
+                                <p:cTn id="46" presetID="22" presetClass="entr" presetSubtype="4" fill="hold" nodeType="afterEffect">
                                   <p:stCondLst>
-                                    <p:cond delay="0"/>
+                                    <p:cond delay="1400"/>
                                   </p:stCondLst>
                                   <p:childTnLst>
                                     <p:set>
                                       <p:cBhvr>
-                                        <p:cTn id="62" dur="1" fill="hold">
+                                        <p:cTn id="47" dur="1" fill="hold">
                                           <p:stCondLst>
                                             <p:cond delay="0"/>
                                           </p:stCondLst>
                                         </p:cTn>
                                         <p:tgtEl>
-                                          <p:spTgt spid="147"/>
+                                          <p:spTgt spid="59"/>
                                         </p:tgtEl>
                                         <p:attrNameLst>
                                           <p:attrName>style.visibility</p:attrName>
@@ -24701,11 +23680,11 @@
                                         <p:strVal val="visible"/>
                                       </p:to>
                                     </p:set>
-                                    <p:animEffect transition="in" filter="wipe(right)">
-                                      <p:cBhvr>
-                                        <p:cTn id="63" dur="500"/>
-                                        <p:tgtEl>
-                                          <p:spTgt spid="147"/>
+                                    <p:animEffect transition="in" filter="wipe(down)">
+                                      <p:cBhvr>
+                                        <p:cTn id="48" dur="500"/>
+                                        <p:tgtEl>
+                                          <p:spTgt spid="59"/>
                                         </p:tgtEl>
                                       </p:cBhvr>
                                     </p:animEffect>
@@ -24716,26 +23695,26 @@
                           </p:cTn>
                         </p:par>
                         <p:par>
-                          <p:cTn id="64" fill="hold">
+                          <p:cTn id="49" fill="hold">
                             <p:stCondLst>
-                              <p:cond delay="1000"/>
+                              <p:cond delay="2900"/>
                             </p:stCondLst>
                             <p:childTnLst>
                               <p:par>
-                                <p:cTn id="65" presetID="10" presetClass="entr" presetSubtype="0" fill="hold" grpId="0" nodeType="afterEffect">
+                                <p:cTn id="50" presetID="10" presetClass="entr" presetSubtype="0" fill="hold" nodeType="afterEffect">
                                   <p:stCondLst>
-                                    <p:cond delay="0"/>
+                                    <p:cond delay="2200"/>
                                   </p:stCondLst>
                                   <p:childTnLst>
                                     <p:set>
                                       <p:cBhvr>
-                                        <p:cTn id="66" dur="1" fill="hold">
+                                        <p:cTn id="51" dur="1" fill="hold">
                                           <p:stCondLst>
                                             <p:cond delay="0"/>
                                           </p:stCondLst>
                                         </p:cTn>
                                         <p:tgtEl>
-                                          <p:spTgt spid="34"/>
+                                          <p:spTgt spid="57"/>
                                         </p:tgtEl>
                                         <p:attrNameLst>
                                           <p:attrName>style.visibility</p:attrName>
@@ -24747,9 +23726,9 @@
                                     </p:set>
                                     <p:animEffect transition="in" filter="fade">
                                       <p:cBhvr>
-                                        <p:cTn id="67" dur="500"/>
-                                        <p:tgtEl>
-                                          <p:spTgt spid="34"/>
+                                        <p:cTn id="52" dur="500"/>
+                                        <p:tgtEl>
+                                          <p:spTgt spid="57"/>
                                         </p:tgtEl>
                                       </p:cBhvr>
                                     </p:animEffect>
@@ -24760,26 +23739,26 @@
                           </p:cTn>
                         </p:par>
                         <p:par>
-                          <p:cTn id="68" fill="hold">
+                          <p:cTn id="53" fill="hold">
                             <p:stCondLst>
-                              <p:cond delay="1500"/>
+                              <p:cond delay="5600"/>
                             </p:stCondLst>
                             <p:childTnLst>
                               <p:par>
-                                <p:cTn id="69" presetID="10" presetClass="entr" presetSubtype="0" fill="hold" nodeType="afterEffect">
+                                <p:cTn id="54" presetID="10" presetClass="entr" presetSubtype="0" fill="hold" nodeType="afterEffect">
                                   <p:stCondLst>
                                     <p:cond delay="0"/>
                                   </p:stCondLst>
                                   <p:childTnLst>
                                     <p:set>
                                       <p:cBhvr>
-                                        <p:cTn id="70" dur="1" fill="hold">
+                                        <p:cTn id="55" dur="1" fill="hold">
                                           <p:stCondLst>
                                             <p:cond delay="0"/>
                                           </p:stCondLst>
                                         </p:cTn>
                                         <p:tgtEl>
-                                          <p:spTgt spid="146"/>
+                                          <p:spTgt spid="62"/>
                                         </p:tgtEl>
                                         <p:attrNameLst>
                                           <p:attrName>style.visibility</p:attrName>
@@ -24791,62 +23770,9 @@
                                     </p:set>
                                     <p:animEffect transition="in" filter="fade">
                                       <p:cBhvr>
-                                        <p:cTn id="71" dur="500"/>
-                                        <p:tgtEl>
-                                          <p:spTgt spid="146"/>
-                                        </p:tgtEl>
-                                      </p:cBhvr>
-                                    </p:animEffect>
-                                  </p:childTnLst>
-                                </p:cTn>
-                              </p:par>
-                            </p:childTnLst>
-                          </p:cTn>
-                        </p:par>
-                      </p:childTnLst>
-                    </p:cTn>
-                  </p:par>
-                  <p:par>
-                    <p:cTn id="72" fill="hold">
-                      <p:stCondLst>
-                        <p:cond delay="indefinite"/>
-                      </p:stCondLst>
-                      <p:childTnLst>
-                        <p:par>
-                          <p:cTn id="73" fill="hold">
-                            <p:stCondLst>
-                              <p:cond delay="0"/>
-                            </p:stCondLst>
-                            <p:childTnLst>
-                              <p:par>
-                                <p:cTn id="74" presetID="22" presetClass="entr" presetSubtype="1" fill="hold" nodeType="clickEffect">
-                                  <p:stCondLst>
-                                    <p:cond delay="0"/>
-                                  </p:stCondLst>
-                                  <p:childTnLst>
-                                    <p:set>
-                                      <p:cBhvr>
-                                        <p:cTn id="75" dur="1" fill="hold">
-                                          <p:stCondLst>
-                                            <p:cond delay="0"/>
-                                          </p:stCondLst>
-                                        </p:cTn>
-                                        <p:tgtEl>
-                                          <p:spTgt spid="149"/>
-                                        </p:tgtEl>
-                                        <p:attrNameLst>
-                                          <p:attrName>style.visibility</p:attrName>
-                                        </p:attrNameLst>
-                                      </p:cBhvr>
-                                      <p:to>
-                                        <p:strVal val="visible"/>
-                                      </p:to>
-                                    </p:set>
-                                    <p:animEffect transition="in" filter="wipe(up)">
-                                      <p:cBhvr>
-                                        <p:cTn id="76" dur="500"/>
-                                        <p:tgtEl>
-                                          <p:spTgt spid="149"/>
+                                        <p:cTn id="56" dur="500"/>
+                                        <p:tgtEl>
+                                          <p:spTgt spid="62"/>
                                         </p:tgtEl>
                                       </p:cBhvr>
                                     </p:animEffect>
@@ -24857,26 +23783,26 @@
                           </p:cTn>
                         </p:par>
                         <p:par>
-                          <p:cTn id="77" fill="hold">
+                          <p:cTn id="57" fill="hold">
                             <p:stCondLst>
-                              <p:cond delay="500"/>
+                              <p:cond delay="6100"/>
                             </p:stCondLst>
                             <p:childTnLst>
                               <p:par>
-                                <p:cTn id="78" presetID="10" presetClass="entr" presetSubtype="0" fill="hold" grpId="0" nodeType="afterEffect">
+                                <p:cTn id="58" presetID="10" presetClass="entr" presetSubtype="0" fill="hold" nodeType="afterEffect">
                                   <p:stCondLst>
                                     <p:cond delay="0"/>
                                   </p:stCondLst>
                                   <p:childTnLst>
                                     <p:set>
                                       <p:cBhvr>
-                                        <p:cTn id="79" dur="1" fill="hold">
+                                        <p:cTn id="59" dur="1" fill="hold">
                                           <p:stCondLst>
                                             <p:cond delay="0"/>
                                           </p:stCondLst>
                                         </p:cTn>
                                         <p:tgtEl>
-                                          <p:spTgt spid="33"/>
+                                          <p:spTgt spid="138"/>
                                         </p:tgtEl>
                                         <p:attrNameLst>
                                           <p:attrName>style.visibility</p:attrName>
@@ -24888,39 +23814,30 @@
                                     </p:set>
                                     <p:animEffect transition="in" filter="fade">
                                       <p:cBhvr>
-                                        <p:cTn id="80" dur="500"/>
-                                        <p:tgtEl>
-                                          <p:spTgt spid="33"/>
+                                        <p:cTn id="60" dur="500"/>
+                                        <p:tgtEl>
+                                          <p:spTgt spid="138"/>
                                         </p:tgtEl>
                                       </p:cBhvr>
                                     </p:animEffect>
                                   </p:childTnLst>
                                 </p:cTn>
                               </p:par>
-                            </p:childTnLst>
-                          </p:cTn>
-                        </p:par>
-                        <p:par>
-                          <p:cTn id="81" fill="hold">
-                            <p:stCondLst>
-                              <p:cond delay="1000"/>
-                            </p:stCondLst>
-                            <p:childTnLst>
                               <p:par>
-                                <p:cTn id="82" presetID="10" presetClass="entr" presetSubtype="0" fill="hold" nodeType="afterEffect">
+                                <p:cTn id="61" presetID="10" presetClass="entr" presetSubtype="0" fill="hold" nodeType="withEffect">
                                   <p:stCondLst>
                                     <p:cond delay="0"/>
                                   </p:stCondLst>
                                   <p:childTnLst>
                                     <p:set>
                                       <p:cBhvr>
-                                        <p:cTn id="83" dur="1" fill="hold">
+                                        <p:cTn id="62" dur="1" fill="hold">
                                           <p:stCondLst>
                                             <p:cond delay="0"/>
                                           </p:stCondLst>
                                         </p:cTn>
                                         <p:tgtEl>
-                                          <p:spTgt spid="145"/>
+                                          <p:spTgt spid="65"/>
                                         </p:tgtEl>
                                         <p:attrNameLst>
                                           <p:attrName>style.visibility</p:attrName>
@@ -24932,106 +23849,9 @@
                                     </p:set>
                                     <p:animEffect transition="in" filter="fade">
                                       <p:cBhvr>
-                                        <p:cTn id="84" dur="500"/>
-                                        <p:tgtEl>
-                                          <p:spTgt spid="145"/>
-                                        </p:tgtEl>
-                                      </p:cBhvr>
-                                    </p:animEffect>
-                                  </p:childTnLst>
-                                </p:cTn>
-                              </p:par>
-                            </p:childTnLst>
-                          </p:cTn>
-                        </p:par>
-                        <p:par>
-                          <p:cTn id="85" fill="hold">
-                            <p:stCondLst>
-                              <p:cond delay="1500"/>
-                            </p:stCondLst>
-                            <p:childTnLst>
-                              <p:par>
-                                <p:cTn id="86" presetID="22" presetClass="entr" presetSubtype="4" fill="hold" nodeType="afterEffect">
-                                  <p:stCondLst>
-                                    <p:cond delay="0"/>
-                                  </p:stCondLst>
-                                  <p:childTnLst>
-                                    <p:set>
-                                      <p:cBhvr>
-                                        <p:cTn id="87" dur="1" fill="hold">
-                                          <p:stCondLst>
-                                            <p:cond delay="0"/>
-                                          </p:stCondLst>
-                                        </p:cTn>
-                                        <p:tgtEl>
-                                          <p:spTgt spid="144"/>
-                                        </p:tgtEl>
-                                        <p:attrNameLst>
-                                          <p:attrName>style.visibility</p:attrName>
-                                        </p:attrNameLst>
-                                      </p:cBhvr>
-                                      <p:to>
-                                        <p:strVal val="visible"/>
-                                      </p:to>
-                                    </p:set>
-                                    <p:animEffect transition="in" filter="wipe(down)">
-                                      <p:cBhvr>
-                                        <p:cTn id="88" dur="500"/>
-                                        <p:tgtEl>
-                                          <p:spTgt spid="144"/>
-                                        </p:tgtEl>
-                                      </p:cBhvr>
-                                    </p:animEffect>
-                                  </p:childTnLst>
-                                </p:cTn>
-                              </p:par>
-                            </p:childTnLst>
-                          </p:cTn>
-                        </p:par>
-                      </p:childTnLst>
-                    </p:cTn>
-                  </p:par>
-                  <p:par>
-                    <p:cTn id="89" fill="hold">
-                      <p:stCondLst>
-                        <p:cond delay="indefinite"/>
-                      </p:stCondLst>
-                      <p:childTnLst>
-                        <p:par>
-                          <p:cTn id="90" fill="hold">
-                            <p:stCondLst>
-                              <p:cond delay="0"/>
-                            </p:stCondLst>
-                            <p:childTnLst>
-                              <p:par>
-                                <p:cTn id="91" presetID="10" presetClass="entr" presetSubtype="0" fill="hold" nodeType="clickEffect">
-                                  <p:stCondLst>
-                                    <p:cond delay="0"/>
-                                  </p:stCondLst>
-                                  <p:childTnLst>
-                                    <p:set>
-                                      <p:cBhvr>
-                                        <p:cTn id="92" dur="1" fill="hold">
-                                          <p:stCondLst>
-                                            <p:cond delay="0"/>
-                                          </p:stCondLst>
-                                        </p:cTn>
-                                        <p:tgtEl>
-                                          <p:spTgt spid="170"/>
-                                        </p:tgtEl>
-                                        <p:attrNameLst>
-                                          <p:attrName>style.visibility</p:attrName>
-                                        </p:attrNameLst>
-                                      </p:cBhvr>
-                                      <p:to>
-                                        <p:strVal val="visible"/>
-                                      </p:to>
-                                    </p:set>
-                                    <p:animEffect transition="in" filter="fade">
-                                      <p:cBhvr>
-                                        <p:cTn id="93" dur="500"/>
-                                        <p:tgtEl>
-                                          <p:spTgt spid="170"/>
+                                        <p:cTn id="63" dur="500"/>
+                                        <p:tgtEl>
+                                          <p:spTgt spid="65"/>
                                         </p:tgtEl>
                                       </p:cBhvr>
                                     </p:animEffect>
@@ -25066,12 +23886,9 @@
       </p:par>
     </p:tnLst>
     <p:bldLst>
-      <p:bldP spid="21" grpId="0"/>
-      <p:bldP spid="29" grpId="0" animBg="1"/>
-      <p:bldP spid="33" grpId="0" animBg="1"/>
-      <p:bldP spid="34" grpId="0" animBg="1"/>
-      <p:bldP spid="63" grpId="0" animBg="1"/>
-      <p:bldP spid="31" grpId="0" animBg="1"/>
+      <p:bldP spid="73" grpId="0" animBg="1"/>
+      <p:bldP spid="79" grpId="0" animBg="1"/>
+      <p:bldP spid="151" grpId="0" animBg="1"/>
     </p:bldLst>
   </p:timing>
 </p:sld>
